--- a/Vue/Vue-Router.pptx
+++ b/Vue/Vue-Router.pptx
@@ -222,7 +222,7 @@
           <a:p>
             <a:fld id="{18E9A1B5-1BE4-4CD6-80C4-143959F034D3}" type="datetimeFigureOut">
               <a:rPr lang="en-US" smtClean="0"/>
-              <a:t>11/24/2020</a:t>
+              <a:t>12/9/2021</a:t>
             </a:fld>
             <a:endParaRPr lang="en-US" dirty="0"/>
           </a:p>
@@ -399,7 +399,7 @@
           <a:p>
             <a:fld id="{D8E6120A-21AF-4F12-ABAA-66A70823631B}" type="datetimeFigureOut">
               <a:rPr lang="en-US" smtClean="0"/>
-              <a:t>11/24/2020</a:t>
+              <a:t>12/9/2021</a:t>
             </a:fld>
             <a:endParaRPr lang="en-US" dirty="0"/>
           </a:p>
@@ -1877,7 +1877,7 @@
           <a:p>
             <a:fld id="{EF63B152-7103-4FFE-90AC-D94EB7F44A7E}" type="datetimeFigureOut">
               <a:rPr lang="en-US" smtClean="0"/>
-              <a:t>11/24/2020</a:t>
+              <a:t>12/9/2021</a:t>
             </a:fld>
             <a:endParaRPr lang="en-US" dirty="0"/>
           </a:p>
@@ -2115,7 +2115,7 @@
           <a:p>
             <a:fld id="{EF63B152-7103-4FFE-90AC-D94EB7F44A7E}" type="datetimeFigureOut">
               <a:rPr lang="en-US" smtClean="0"/>
-              <a:t>11/24/2020</a:t>
+              <a:t>12/9/2021</a:t>
             </a:fld>
             <a:endParaRPr lang="en-US" dirty="0"/>
           </a:p>
@@ -2295,7 +2295,7 @@
           <a:p>
             <a:fld id="{EF63B152-7103-4FFE-90AC-D94EB7F44A7E}" type="datetimeFigureOut">
               <a:rPr lang="en-US" smtClean="0"/>
-              <a:t>11/24/2020</a:t>
+              <a:t>12/9/2021</a:t>
             </a:fld>
             <a:endParaRPr lang="en-US" dirty="0"/>
           </a:p>
@@ -2465,7 +2465,7 @@
           <a:p>
             <a:fld id="{EF63B152-7103-4FFE-90AC-D94EB7F44A7E}" type="datetimeFigureOut">
               <a:rPr lang="en-US" smtClean="0"/>
-              <a:t>11/24/2020</a:t>
+              <a:t>12/9/2021</a:t>
             </a:fld>
             <a:endParaRPr lang="en-US" dirty="0"/>
           </a:p>
@@ -2741,7 +2741,7 @@
           <a:p>
             <a:fld id="{EF63B152-7103-4FFE-90AC-D94EB7F44A7E}" type="datetimeFigureOut">
               <a:rPr lang="en-US" smtClean="0"/>
-              <a:t>11/24/2020</a:t>
+              <a:t>12/9/2021</a:t>
             </a:fld>
             <a:endParaRPr lang="en-US" dirty="0"/>
           </a:p>
@@ -3942,7 +3942,7 @@
           <a:p>
             <a:fld id="{EF63B152-7103-4FFE-90AC-D94EB7F44A7E}" type="datetimeFigureOut">
               <a:rPr lang="en-US" smtClean="0"/>
-              <a:t>11/24/2020</a:t>
+              <a:t>12/9/2021</a:t>
             </a:fld>
             <a:endParaRPr lang="en-US" dirty="0"/>
           </a:p>
@@ -4332,7 +4332,7 @@
           <a:p>
             <a:fld id="{EF63B152-7103-4FFE-90AC-D94EB7F44A7E}" type="datetimeFigureOut">
               <a:rPr lang="en-US" smtClean="0"/>
-              <a:t>11/24/2020</a:t>
+              <a:t>12/9/2021</a:t>
             </a:fld>
             <a:endParaRPr lang="en-US" dirty="0"/>
           </a:p>
@@ -4455,7 +4455,7 @@
           <a:p>
             <a:fld id="{EF63B152-7103-4FFE-90AC-D94EB7F44A7E}" type="datetimeFigureOut">
               <a:rPr lang="en-US" smtClean="0"/>
-              <a:t>11/24/2020</a:t>
+              <a:t>12/9/2021</a:t>
             </a:fld>
             <a:endParaRPr lang="en-US" dirty="0"/>
           </a:p>
@@ -4550,7 +4550,7 @@
           <a:p>
             <a:fld id="{EF63B152-7103-4FFE-90AC-D94EB7F44A7E}" type="datetimeFigureOut">
               <a:rPr lang="en-US" smtClean="0"/>
-              <a:t>11/24/2020</a:t>
+              <a:t>12/9/2021</a:t>
             </a:fld>
             <a:endParaRPr lang="en-US" dirty="0"/>
           </a:p>
@@ -5313,7 +5313,7 @@
           <a:p>
             <a:fld id="{EF63B152-7103-4FFE-90AC-D94EB7F44A7E}" type="datetimeFigureOut">
               <a:rPr lang="en-US" smtClean="0"/>
-              <a:t>11/24/2020</a:t>
+              <a:t>12/9/2021</a:t>
             </a:fld>
             <a:endParaRPr lang="en-US" dirty="0"/>
           </a:p>
@@ -6153,7 +6153,7 @@
           <a:p>
             <a:fld id="{EF63B152-7103-4FFE-90AC-D94EB7F44A7E}" type="datetimeFigureOut">
               <a:rPr lang="en-US" smtClean="0"/>
-              <a:t>11/24/2020</a:t>
+              <a:t>12/9/2021</a:t>
             </a:fld>
             <a:endParaRPr lang="en-US" dirty="0"/>
           </a:p>
@@ -6380,7 +6380,7 @@
           <a:p>
             <a:fld id="{EF63B152-7103-4FFE-90AC-D94EB7F44A7E}" type="datetimeFigureOut">
               <a:rPr lang="en-US" smtClean="0"/>
-              <a:t>11/24/2020</a:t>
+              <a:t>12/9/2021</a:t>
             </a:fld>
             <a:endParaRPr lang="en-US" dirty="0"/>
           </a:p>
@@ -9631,109 +9631,6 @@
       </p:sp>
       <p:sp>
         <p:nvSpPr>
-          <p:cNvPr id="8" name="Rectangle 7">
-            <a:extLst>
-              <a:ext uri="{FF2B5EF4-FFF2-40B4-BE49-F238E27FC236}">
-                <a16:creationId xmlns:a16="http://schemas.microsoft.com/office/drawing/2014/main" id="{0AF1965B-4B8D-440F-B5A7-6606859B3E01}"/>
-              </a:ext>
-            </a:extLst>
-          </p:cNvPr>
-          <p:cNvSpPr/>
-          <p:nvPr/>
-        </p:nvSpPr>
-        <p:spPr>
-          <a:xfrm>
-            <a:off x="1300294" y="978408"/>
-            <a:ext cx="9899009" cy="400110"/>
-          </a:xfrm>
-          <a:prstGeom prst="rect">
-            <a:avLst/>
-          </a:prstGeom>
-        </p:spPr>
-        <p:txBody>
-          <a:bodyPr wrap="square">
-            <a:spAutoFit/>
-          </a:bodyPr>
-          <a:lstStyle/>
-          <a:p>
-            <a:pPr marL="285750" indent="-285750">
-              <a:buFont typeface="Arial" panose="020B0604020202020204" pitchFamily="34" charset="0"/>
-              <a:buChar char="•"/>
-            </a:pPr>
-            <a:r>
-              <a:rPr lang="sv-SE" sz="2000" dirty="0">
-                <a:solidFill>
-                  <a:schemeClr val="tx1">
-                    <a:lumMod val="65000"/>
-                    <a:lumOff val="35000"/>
-                  </a:schemeClr>
-                </a:solidFill>
-                <a:latin typeface="Gill Sans MT (Body)"/>
-                <a:cs typeface="Times New Roman" panose="02020603050405020304" pitchFamily="18" charset="0"/>
-              </a:rPr>
-              <a:t>Inkludera </a:t>
-            </a:r>
-            <a:r>
-              <a:rPr lang="sv-SE" sz="2000" dirty="0" err="1">
-                <a:solidFill>
-                  <a:schemeClr val="tx1">
-                    <a:lumMod val="65000"/>
-                    <a:lumOff val="35000"/>
-                  </a:schemeClr>
-                </a:solidFill>
-                <a:latin typeface="Gill Sans MT (Body)"/>
-                <a:cs typeface="Times New Roman" panose="02020603050405020304" pitchFamily="18" charset="0"/>
-              </a:rPr>
-              <a:t>Vue</a:t>
-            </a:r>
-            <a:r>
-              <a:rPr lang="sv-SE" sz="2000" dirty="0">
-                <a:solidFill>
-                  <a:schemeClr val="tx1">
-                    <a:lumMod val="65000"/>
-                    <a:lumOff val="35000"/>
-                  </a:schemeClr>
-                </a:solidFill>
-                <a:latin typeface="Gill Sans MT (Body)"/>
-                <a:cs typeface="Times New Roman" panose="02020603050405020304" pitchFamily="18" charset="0"/>
-              </a:rPr>
-              <a:t>-Router i en befintlig applikation</a:t>
-            </a:r>
-          </a:p>
-        </p:txBody>
-      </p:sp>
-      <p:pic>
-        <p:nvPicPr>
-          <p:cNvPr id="3" name="Picture 2">
-            <a:extLst>
-              <a:ext uri="{FF2B5EF4-FFF2-40B4-BE49-F238E27FC236}">
-                <a16:creationId xmlns:a16="http://schemas.microsoft.com/office/drawing/2014/main" id="{BA6C4D56-140B-4E60-A3E6-B9BA7C6A5AA5}"/>
-              </a:ext>
-            </a:extLst>
-          </p:cNvPr>
-          <p:cNvPicPr>
-            <a:picLocks noChangeAspect="1"/>
-          </p:cNvPicPr>
-          <p:nvPr/>
-        </p:nvPicPr>
-        <p:blipFill>
-          <a:blip r:embed="rId2"/>
-          <a:stretch>
-            <a:fillRect/>
-          </a:stretch>
-        </p:blipFill>
-        <p:spPr>
-          <a:xfrm>
-            <a:off x="1621522" y="1378518"/>
-            <a:ext cx="5676900" cy="1152525"/>
-          </a:xfrm>
-          <a:prstGeom prst="rect">
-            <a:avLst/>
-          </a:prstGeom>
-        </p:spPr>
-      </p:pic>
-      <p:sp>
-        <p:nvSpPr>
           <p:cNvPr id="4" name="Content Placeholder 3">
             <a:extLst>
               <a:ext uri="{FF2B5EF4-FFF2-40B4-BE49-F238E27FC236}">
@@ -9750,7 +9647,7 @@
         </p:nvSpPr>
         <p:spPr>
           <a:xfrm>
-            <a:off x="1369124" y="2657879"/>
+            <a:off x="1552870" y="1964405"/>
             <a:ext cx="10178322" cy="2929189"/>
           </a:xfrm>
         </p:spPr>
@@ -9785,7 +9682,7 @@
             <a:pPr lvl="1"/>
             <a:r>
               <a:rPr lang="en-US" dirty="0" err="1"/>
-              <a:t>Först</a:t>
+              <a:t>Installera</a:t>
             </a:r>
             <a:r>
               <a:rPr lang="en-US" dirty="0"/>
@@ -9793,7 +9690,15 @@
             </a:r>
             <a:r>
               <a:rPr lang="en-US" dirty="0" err="1"/>
-              <a:t>installera</a:t>
+              <a:t>vue</a:t>
+            </a:r>
+            <a:r>
+              <a:rPr lang="en-US" dirty="0"/>
+              <a:t>-router </a:t>
+            </a:r>
+            <a:r>
+              <a:rPr lang="en-US" dirty="0" err="1"/>
+              <a:t>genom</a:t>
             </a:r>
             <a:r>
               <a:rPr lang="en-US" dirty="0"/>
@@ -9801,42 +9706,7 @@
             </a:r>
             <a:r>
               <a:rPr lang="en-US" dirty="0" err="1"/>
-              <a:t>vue</a:t>
-            </a:r>
-            <a:r>
-              <a:rPr lang="en-US" dirty="0"/>
-              <a:t>-router</a:t>
-            </a:r>
-          </a:p>
-          <a:p>
-            <a:pPr lvl="1"/>
-            <a:endParaRPr lang="en-US" dirty="0"/>
-          </a:p>
-          <a:p>
-            <a:pPr lvl="1"/>
-            <a:r>
-              <a:rPr lang="en-US" dirty="0"/>
-              <a:t>Sedan </a:t>
-            </a:r>
-            <a:r>
-              <a:rPr lang="en-US" dirty="0" err="1"/>
-              <a:t>informera</a:t>
-            </a:r>
-            <a:r>
-              <a:rPr lang="en-US" dirty="0"/>
-              <a:t> Vue </a:t>
-            </a:r>
-            <a:r>
-              <a:rPr lang="en-US" dirty="0" err="1"/>
-              <a:t>att</a:t>
-            </a:r>
-            <a:r>
-              <a:rPr lang="en-US" dirty="0"/>
-              <a:t> du </a:t>
-            </a:r>
-            <a:r>
-              <a:rPr lang="en-US" dirty="0" err="1"/>
-              <a:t>vill</a:t>
+              <a:t>kommandot</a:t>
             </a:r>
             <a:r>
               <a:rPr lang="en-US" dirty="0"/>
@@ -9844,7 +9714,7 @@
             </a:r>
             <a:r>
               <a:rPr lang="en-US" dirty="0" err="1"/>
-              <a:t>använda</a:t>
+              <a:t>nedan</a:t>
             </a:r>
             <a:r>
               <a:rPr lang="en-US" dirty="0"/>
@@ -9852,21 +9722,91 @@
             </a:r>
             <a:r>
               <a:rPr lang="en-US" dirty="0" err="1"/>
-              <a:t>vue</a:t>
+              <a:t>i</a:t>
             </a:r>
             <a:r>
               <a:rPr lang="en-US" dirty="0"/>
-              <a:t>-router </a:t>
-            </a:r>
+              <a:t> </a:t>
+            </a:r>
+            <a:r>
+              <a:rPr lang="en-US" dirty="0" err="1"/>
+              <a:t>terminalen</a:t>
+            </a:r>
+            <a:r>
+              <a:rPr lang="en-US" dirty="0"/>
+              <a:t> </a:t>
+            </a:r>
+            <a:r>
+              <a:rPr lang="en-US" dirty="0" err="1"/>
+              <a:t>i</a:t>
+            </a:r>
+            <a:r>
+              <a:rPr lang="en-US" dirty="0"/>
+              <a:t> </a:t>
+            </a:r>
+            <a:r>
+              <a:rPr lang="en-US" dirty="0" err="1"/>
+              <a:t>mappen</a:t>
+            </a:r>
+            <a:r>
+              <a:rPr lang="en-US" dirty="0"/>
+              <a:t> för </a:t>
+            </a:r>
+            <a:r>
+              <a:rPr lang="en-US" dirty="0" err="1"/>
+              <a:t>projektet</a:t>
+            </a:r>
+            <a:r>
+              <a:rPr lang="en-US" dirty="0"/>
+              <a:t>.</a:t>
+            </a:r>
+          </a:p>
+        </p:txBody>
+      </p:sp>
+      <p:sp>
+        <p:nvSpPr>
+          <p:cNvPr id="7" name="TextBox 6">
+            <a:extLst>
+              <a:ext uri="{FF2B5EF4-FFF2-40B4-BE49-F238E27FC236}">
+                <a16:creationId xmlns:a16="http://schemas.microsoft.com/office/drawing/2014/main" id="{42A89CC1-2998-4C67-A86A-A4C97B8751E1}"/>
+              </a:ext>
+            </a:extLst>
+          </p:cNvPr>
+          <p:cNvSpPr txBox="1"/>
+          <p:nvPr/>
+        </p:nvSpPr>
+        <p:spPr>
+          <a:xfrm>
+            <a:off x="4138863" y="883360"/>
+            <a:ext cx="4312399" cy="369332"/>
+          </a:xfrm>
+          <a:prstGeom prst="rect">
+            <a:avLst/>
+          </a:prstGeom>
+          <a:noFill/>
+        </p:spPr>
+        <p:txBody>
+          <a:bodyPr wrap="none" rtlCol="0">
+            <a:spAutoFit/>
+          </a:bodyPr>
+          <a:lstStyle/>
+          <a:p>
+            <a:r>
+              <a:rPr lang="en-US" dirty="0">
+                <a:hlinkClick r:id="rId2"/>
+              </a:rPr>
+              <a:t>https://next.router.vuejs.org/installation.html</a:t>
+            </a:r>
+            <a:endParaRPr lang="en-SE" dirty="0"/>
           </a:p>
         </p:txBody>
       </p:sp>
       <p:pic>
         <p:nvPicPr>
-          <p:cNvPr id="5" name="Picture 4">
+          <p:cNvPr id="10" name="Picture 9">
             <a:extLst>
               <a:ext uri="{FF2B5EF4-FFF2-40B4-BE49-F238E27FC236}">
-                <a16:creationId xmlns:a16="http://schemas.microsoft.com/office/drawing/2014/main" id="{9DE29692-85D2-4666-BC0C-20AEB8DACD06}"/>
+                <a16:creationId xmlns:a16="http://schemas.microsoft.com/office/drawing/2014/main" id="{E369F0E4-8755-48A6-933F-5A573CC7B4C3}"/>
               </a:ext>
             </a:extLst>
           </p:cNvPr>
@@ -9883,38 +9823,8 @@
         </p:blipFill>
         <p:spPr>
           <a:xfrm>
-            <a:off x="4943563" y="3082309"/>
-            <a:ext cx="3886200" cy="533400"/>
-          </a:xfrm>
-          <a:prstGeom prst="rect">
-            <a:avLst/>
-          </a:prstGeom>
-        </p:spPr>
-      </p:pic>
-      <p:pic>
-        <p:nvPicPr>
-          <p:cNvPr id="6" name="Picture 5">
-            <a:extLst>
-              <a:ext uri="{FF2B5EF4-FFF2-40B4-BE49-F238E27FC236}">
-                <a16:creationId xmlns:a16="http://schemas.microsoft.com/office/drawing/2014/main" id="{C0DA341B-4A63-4CF1-806C-A0E5B4EB5CDD}"/>
-              </a:ext>
-            </a:extLst>
-          </p:cNvPr>
-          <p:cNvPicPr>
-            <a:picLocks noChangeAspect="1"/>
-          </p:cNvPicPr>
-          <p:nvPr/>
-        </p:nvPicPr>
-        <p:blipFill>
-          <a:blip r:embed="rId4"/>
-          <a:stretch>
-            <a:fillRect/>
-          </a:stretch>
-        </p:blipFill>
-        <p:spPr>
-          <a:xfrm>
-            <a:off x="2620337" y="4285696"/>
-            <a:ext cx="4210050" cy="1057275"/>
+            <a:off x="1606523" y="3025133"/>
+            <a:ext cx="7058025" cy="1228725"/>
           </a:xfrm>
           <a:prstGeom prst="rect">
             <a:avLst/>
@@ -9951,6 +9861,36 @@
           <a:chExt cx="0" cy="0"/>
         </a:xfrm>
       </p:grpSpPr>
+      <p:pic>
+        <p:nvPicPr>
+          <p:cNvPr id="4" name="Picture 3">
+            <a:extLst>
+              <a:ext uri="{FF2B5EF4-FFF2-40B4-BE49-F238E27FC236}">
+                <a16:creationId xmlns:a16="http://schemas.microsoft.com/office/drawing/2014/main" id="{6EF6911F-4B89-49BB-9082-BCFCA18F7361}"/>
+              </a:ext>
+            </a:extLst>
+          </p:cNvPr>
+          <p:cNvPicPr>
+            <a:picLocks noChangeAspect="1"/>
+          </p:cNvPicPr>
+          <p:nvPr/>
+        </p:nvPicPr>
+        <p:blipFill>
+          <a:blip r:embed="rId2"/>
+          <a:stretch>
+            <a:fillRect/>
+          </a:stretch>
+        </p:blipFill>
+        <p:spPr>
+          <a:xfrm>
+            <a:off x="6598" y="734954"/>
+            <a:ext cx="5839324" cy="5945356"/>
+          </a:xfrm>
+          <a:prstGeom prst="rect">
+            <a:avLst/>
+          </a:prstGeom>
+        </p:spPr>
+      </p:pic>
       <p:sp>
         <p:nvSpPr>
           <p:cNvPr id="2" name="Title 1">
@@ -10009,8 +9949,8 @@
         </p:nvSpPr>
         <p:spPr>
           <a:xfrm>
-            <a:off x="6409190" y="1940573"/>
-            <a:ext cx="5578677" cy="4401205"/>
+            <a:off x="6455329" y="1106617"/>
+            <a:ext cx="5578677" cy="5324535"/>
           </a:xfrm>
           <a:prstGeom prst="rect">
             <a:avLst/>
@@ -10050,7 +9990,7 @@
                 <a:latin typeface="Gill Sans MT (Body)"/>
                 <a:cs typeface="Times New Roman" panose="02020603050405020304" pitchFamily="18" charset="0"/>
               </a:rPr>
-              <a:t>VueRouter</a:t>
+              <a:t>createRouter</a:t>
             </a:r>
             <a:r>
               <a:rPr lang="sv-SE" sz="2000" dirty="0">
@@ -10063,7 +10003,7 @@
                 <a:latin typeface="Gill Sans MT (Body)"/>
                 <a:cs typeface="Times New Roman" panose="02020603050405020304" pitchFamily="18" charset="0"/>
               </a:rPr>
-              <a:t> och säg till </a:t>
+              <a:t> och </a:t>
             </a:r>
             <a:r>
               <a:rPr lang="sv-SE" sz="2000" dirty="0" err="1">
@@ -10076,7 +10016,7 @@
                 <a:latin typeface="Gill Sans MT (Body)"/>
                 <a:cs typeface="Times New Roman" panose="02020603050405020304" pitchFamily="18" charset="0"/>
               </a:rPr>
-              <a:t>Vue</a:t>
+              <a:t>createWebHasHistory</a:t>
             </a:r>
             <a:r>
               <a:rPr lang="sv-SE" sz="2000" dirty="0">
@@ -10089,7 +10029,33 @@
                 <a:latin typeface="Gill Sans MT (Body)"/>
                 <a:cs typeface="Times New Roman" panose="02020603050405020304" pitchFamily="18" charset="0"/>
               </a:rPr>
-              <a:t> använda den.</a:t>
+              <a:t> från </a:t>
+            </a:r>
+            <a:r>
+              <a:rPr lang="sv-SE" sz="2000" dirty="0" err="1">
+                <a:solidFill>
+                  <a:schemeClr val="tx1">
+                    <a:lumMod val="65000"/>
+                    <a:lumOff val="35000"/>
+                  </a:schemeClr>
+                </a:solidFill>
+                <a:latin typeface="Gill Sans MT (Body)"/>
+                <a:cs typeface="Times New Roman" panose="02020603050405020304" pitchFamily="18" charset="0"/>
+              </a:rPr>
+              <a:t>vue</a:t>
+            </a:r>
+            <a:r>
+              <a:rPr lang="sv-SE" sz="2000" dirty="0">
+                <a:solidFill>
+                  <a:schemeClr val="tx1">
+                    <a:lumMod val="65000"/>
+                    <a:lumOff val="35000"/>
+                  </a:schemeClr>
+                </a:solidFill>
+                <a:latin typeface="Gill Sans MT (Body)"/>
+                <a:cs typeface="Times New Roman" panose="02020603050405020304" pitchFamily="18" charset="0"/>
+              </a:rPr>
+              <a:t>-router.</a:t>
             </a:r>
           </a:p>
           <a:p>
@@ -10267,22 +10233,6 @@
               <a:buFont typeface="+mj-lt"/>
               <a:buAutoNum type="arabicPeriod"/>
             </a:pPr>
-            <a:endParaRPr lang="sv-SE" sz="2000" dirty="0">
-              <a:solidFill>
-                <a:schemeClr val="tx1">
-                  <a:lumMod val="65000"/>
-                  <a:lumOff val="35000"/>
-                </a:schemeClr>
-              </a:solidFill>
-              <a:latin typeface="Gill Sans MT (Body)"/>
-              <a:cs typeface="Times New Roman" panose="02020603050405020304" pitchFamily="18" charset="0"/>
-            </a:endParaRPr>
-          </a:p>
-          <a:p>
-            <a:pPr marL="457200" indent="-457200">
-              <a:buFont typeface="+mj-lt"/>
-              <a:buAutoNum type="arabicPeriod"/>
-            </a:pPr>
             <a:r>
               <a:rPr lang="sv-SE" sz="2000" dirty="0">
                 <a:solidFill>
@@ -10294,33 +10244,7 @@
                 <a:latin typeface="Gill Sans MT (Body)"/>
                 <a:cs typeface="Times New Roman" panose="02020603050405020304" pitchFamily="18" charset="0"/>
               </a:rPr>
-              <a:t>Tilldela </a:t>
-            </a:r>
-            <a:r>
-              <a:rPr lang="sv-SE" sz="2000" dirty="0" err="1">
-                <a:solidFill>
-                  <a:schemeClr val="tx1">
-                    <a:lumMod val="65000"/>
-                    <a:lumOff val="35000"/>
-                  </a:schemeClr>
-                </a:solidFill>
-                <a:latin typeface="Gill Sans MT (Body)"/>
-                <a:cs typeface="Times New Roman" panose="02020603050405020304" pitchFamily="18" charset="0"/>
-              </a:rPr>
-              <a:t>Vue</a:t>
-            </a:r>
-            <a:r>
-              <a:rPr lang="sv-SE" sz="2000" dirty="0">
-                <a:solidFill>
-                  <a:schemeClr val="tx1">
-                    <a:lumMod val="65000"/>
-                    <a:lumOff val="35000"/>
-                  </a:schemeClr>
-                </a:solidFill>
-                <a:latin typeface="Gill Sans MT (Body)"/>
-                <a:cs typeface="Times New Roman" panose="02020603050405020304" pitchFamily="18" charset="0"/>
-              </a:rPr>
-              <a:t> den skapade routern.</a:t>
+              <a:t>Skapa routern enligt följande bilden</a:t>
             </a:r>
           </a:p>
           <a:p>
@@ -10339,38 +10263,111 @@
               <a:cs typeface="Times New Roman" panose="02020603050405020304" pitchFamily="18" charset="0"/>
             </a:endParaRPr>
           </a:p>
+          <a:p>
+            <a:pPr marL="457200" indent="-457200">
+              <a:buFont typeface="+mj-lt"/>
+              <a:buAutoNum type="arabicPeriod"/>
+            </a:pPr>
+            <a:endParaRPr lang="sv-SE" sz="2000" dirty="0">
+              <a:solidFill>
+                <a:schemeClr val="tx1">
+                  <a:lumMod val="65000"/>
+                  <a:lumOff val="35000"/>
+                </a:schemeClr>
+              </a:solidFill>
+              <a:latin typeface="Gill Sans MT (Body)"/>
+              <a:cs typeface="Times New Roman" panose="02020603050405020304" pitchFamily="18" charset="0"/>
+            </a:endParaRPr>
+          </a:p>
+          <a:p>
+            <a:pPr marL="457200" indent="-457200">
+              <a:buFont typeface="+mj-lt"/>
+              <a:buAutoNum type="arabicPeriod"/>
+            </a:pPr>
+            <a:r>
+              <a:rPr lang="sv-SE" sz="2000" dirty="0">
+                <a:solidFill>
+                  <a:schemeClr val="tx1">
+                    <a:lumMod val="65000"/>
+                    <a:lumOff val="35000"/>
+                  </a:schemeClr>
+                </a:solidFill>
+                <a:latin typeface="Gill Sans MT (Body)"/>
+                <a:cs typeface="Times New Roman" panose="02020603050405020304" pitchFamily="18" charset="0"/>
+              </a:rPr>
+              <a:t>Tilldela  </a:t>
+            </a:r>
+            <a:r>
+              <a:rPr lang="sv-SE" sz="2000" dirty="0" err="1">
+                <a:solidFill>
+                  <a:schemeClr val="tx1">
+                    <a:lumMod val="65000"/>
+                    <a:lumOff val="35000"/>
+                  </a:schemeClr>
+                </a:solidFill>
+                <a:latin typeface="Gill Sans MT (Body)"/>
+                <a:cs typeface="Times New Roman" panose="02020603050405020304" pitchFamily="18" charset="0"/>
+              </a:rPr>
+              <a:t>Vue</a:t>
+            </a:r>
+            <a:r>
+              <a:rPr lang="sv-SE" sz="2000" dirty="0">
+                <a:solidFill>
+                  <a:schemeClr val="tx1">
+                    <a:lumMod val="65000"/>
+                    <a:lumOff val="35000"/>
+                  </a:schemeClr>
+                </a:solidFill>
+                <a:latin typeface="Gill Sans MT (Body)"/>
+                <a:cs typeface="Times New Roman" panose="02020603050405020304" pitchFamily="18" charset="0"/>
+              </a:rPr>
+              <a:t> den skapade routern genom </a:t>
+            </a:r>
+            <a:r>
+              <a:rPr lang="sv-SE" sz="2000" dirty="0" err="1">
+                <a:solidFill>
+                  <a:schemeClr val="tx1">
+                    <a:lumMod val="65000"/>
+                    <a:lumOff val="35000"/>
+                  </a:schemeClr>
+                </a:solidFill>
+                <a:latin typeface="Gill Sans MT (Body)"/>
+                <a:cs typeface="Times New Roman" panose="02020603050405020304" pitchFamily="18" charset="0"/>
+              </a:rPr>
+              <a:t>use</a:t>
+            </a:r>
+            <a:r>
+              <a:rPr lang="sv-SE" sz="2000" dirty="0">
+                <a:solidFill>
+                  <a:schemeClr val="tx1">
+                    <a:lumMod val="65000"/>
+                    <a:lumOff val="35000"/>
+                  </a:schemeClr>
+                </a:solidFill>
+                <a:latin typeface="Gill Sans MT (Body)"/>
+                <a:cs typeface="Times New Roman" panose="02020603050405020304" pitchFamily="18" charset="0"/>
+              </a:rPr>
+              <a:t>(router) enligt bilden.</a:t>
+            </a:r>
+          </a:p>
+          <a:p>
+            <a:pPr marL="457200" indent="-457200">
+              <a:buFont typeface="+mj-lt"/>
+              <a:buAutoNum type="arabicPeriod"/>
+            </a:pPr>
+            <a:endParaRPr lang="sv-SE" sz="2000" dirty="0">
+              <a:solidFill>
+                <a:schemeClr val="tx1">
+                  <a:lumMod val="65000"/>
+                  <a:lumOff val="35000"/>
+                </a:schemeClr>
+              </a:solidFill>
+              <a:latin typeface="Gill Sans MT (Body)"/>
+              <a:cs typeface="Times New Roman" panose="02020603050405020304" pitchFamily="18" charset="0"/>
+            </a:endParaRPr>
+          </a:p>
         </p:txBody>
       </p:sp>
-      <p:pic>
-        <p:nvPicPr>
-          <p:cNvPr id="21" name="Picture 20">
-            <a:extLst>
-              <a:ext uri="{FF2B5EF4-FFF2-40B4-BE49-F238E27FC236}">
-                <a16:creationId xmlns:a16="http://schemas.microsoft.com/office/drawing/2014/main" id="{24E7C71E-3F93-461C-93A2-030FF9157252}"/>
-              </a:ext>
-            </a:extLst>
-          </p:cNvPr>
-          <p:cNvPicPr>
-            <a:picLocks noChangeAspect="1"/>
-          </p:cNvPicPr>
-          <p:nvPr/>
-        </p:nvPicPr>
-        <p:blipFill>
-          <a:blip r:embed="rId2"/>
-          <a:stretch>
-            <a:fillRect/>
-          </a:stretch>
-        </p:blipFill>
-        <p:spPr>
-          <a:xfrm>
-            <a:off x="1021163" y="972673"/>
-            <a:ext cx="5074837" cy="5702652"/>
-          </a:xfrm>
-          <a:prstGeom prst="rect">
-            <a:avLst/>
-          </a:prstGeom>
-        </p:spPr>
-      </p:pic>
       <p:sp>
         <p:nvSpPr>
           <p:cNvPr id="22" name="Right Brace 21">
@@ -10385,7 +10382,7 @@
         </p:nvSpPr>
         <p:spPr>
           <a:xfrm>
-            <a:off x="5125673" y="2231472"/>
+            <a:off x="5397111" y="2266838"/>
             <a:ext cx="402672" cy="897622"/>
           </a:xfrm>
           <a:prstGeom prst="rightBrace">
@@ -10473,7 +10470,7 @@
         </p:nvSpPr>
         <p:spPr>
           <a:xfrm>
-            <a:off x="3104372" y="5765148"/>
+            <a:off x="4217309" y="5874204"/>
             <a:ext cx="223260" cy="497683"/>
           </a:xfrm>
           <a:prstGeom prst="rightBrace">
@@ -10517,7 +10514,7 @@
         </p:nvSpPr>
         <p:spPr>
           <a:xfrm>
-            <a:off x="4036947" y="1468864"/>
+            <a:off x="4084720" y="1369273"/>
             <a:ext cx="342105" cy="762608"/>
           </a:xfrm>
           <a:prstGeom prst="rightBrace">
@@ -10561,7 +10558,7 @@
         </p:nvSpPr>
         <p:spPr>
           <a:xfrm>
-            <a:off x="5159229" y="991472"/>
+            <a:off x="4871415" y="915311"/>
             <a:ext cx="817853" cy="369332"/>
           </a:xfrm>
           <a:prstGeom prst="rect">
@@ -10600,13 +10597,15 @@
               </a:ext>
             </a:extLst>
           </p:cNvPr>
-          <p:cNvCxnSpPr/>
+          <p:cNvCxnSpPr>
+            <a:cxnSpLocks/>
+          </p:cNvCxnSpPr>
           <p:nvPr/>
         </p:nvCxnSpPr>
         <p:spPr>
-          <a:xfrm>
-            <a:off x="4488110" y="1850168"/>
-            <a:ext cx="1862356" cy="381304"/>
+          <a:xfrm flipV="1">
+            <a:off x="4511180" y="1311704"/>
+            <a:ext cx="1921080" cy="458070"/>
           </a:xfrm>
           <a:prstGeom prst="straightConnector1">
             <a:avLst/>
@@ -10645,9 +10644,9 @@
           <p:nvPr/>
         </p:nvCxnSpPr>
         <p:spPr>
-          <a:xfrm>
-            <a:off x="5710853" y="2680283"/>
-            <a:ext cx="698337" cy="603512"/>
+          <a:xfrm flipV="1">
+            <a:off x="5845922" y="2591876"/>
+            <a:ext cx="639613" cy="123773"/>
           </a:xfrm>
           <a:prstGeom prst="straightConnector1">
             <a:avLst/>
@@ -10686,9 +10685,9 @@
           <p:nvPr/>
         </p:nvCxnSpPr>
         <p:spPr>
-          <a:xfrm>
-            <a:off x="5528345" y="4001338"/>
-            <a:ext cx="880845" cy="466095"/>
+          <a:xfrm flipV="1">
+            <a:off x="5528345" y="3835436"/>
+            <a:ext cx="880845" cy="165902"/>
           </a:xfrm>
           <a:prstGeom prst="straightConnector1">
             <a:avLst/>
@@ -10728,8 +10727,93 @@
         </p:nvCxnSpPr>
         <p:spPr>
           <a:xfrm flipV="1">
-            <a:off x="3429699" y="5885327"/>
-            <a:ext cx="2979491" cy="128662"/>
+            <a:off x="4664279" y="5673247"/>
+            <a:ext cx="1744911" cy="393753"/>
+          </a:xfrm>
+          <a:prstGeom prst="straightConnector1">
+            <a:avLst/>
+          </a:prstGeom>
+          <a:ln w="12700">
+            <a:tailEnd type="triangle"/>
+          </a:ln>
+        </p:spPr>
+        <p:style>
+          <a:lnRef idx="1">
+            <a:schemeClr val="accent1"/>
+          </a:lnRef>
+          <a:fillRef idx="0">
+            <a:schemeClr val="accent1"/>
+          </a:fillRef>
+          <a:effectRef idx="0">
+            <a:schemeClr val="accent1"/>
+          </a:effectRef>
+          <a:fontRef idx="minor">
+            <a:schemeClr val="tx1"/>
+          </a:fontRef>
+        </p:style>
+      </p:cxnSp>
+      <p:sp>
+        <p:nvSpPr>
+          <p:cNvPr id="17" name="Right Brace 16">
+            <a:extLst>
+              <a:ext uri="{FF2B5EF4-FFF2-40B4-BE49-F238E27FC236}">
+                <a16:creationId xmlns:a16="http://schemas.microsoft.com/office/drawing/2014/main" id="{E5ADC099-BA43-48BC-91C6-20C77668D3A1}"/>
+              </a:ext>
+            </a:extLst>
+          </p:cNvPr>
+          <p:cNvSpPr/>
+          <p:nvPr/>
+        </p:nvSpPr>
+        <p:spPr>
+          <a:xfrm>
+            <a:off x="3952130" y="4839708"/>
+            <a:ext cx="265179" cy="591128"/>
+          </a:xfrm>
+          <a:prstGeom prst="rightBrace">
+            <a:avLst/>
+          </a:prstGeom>
+        </p:spPr>
+        <p:style>
+          <a:lnRef idx="1">
+            <a:schemeClr val="accent1"/>
+          </a:lnRef>
+          <a:fillRef idx="0">
+            <a:schemeClr val="accent1"/>
+          </a:fillRef>
+          <a:effectRef idx="0">
+            <a:schemeClr val="accent1"/>
+          </a:effectRef>
+          <a:fontRef idx="minor">
+            <a:schemeClr val="tx1"/>
+          </a:fontRef>
+        </p:style>
+        <p:txBody>
+          <a:bodyPr rtlCol="0" anchor="ctr"/>
+          <a:lstStyle/>
+          <a:p>
+            <a:pPr algn="ctr"/>
+            <a:endParaRPr lang="en-SE"/>
+          </a:p>
+        </p:txBody>
+      </p:sp>
+      <p:cxnSp>
+        <p:nvCxnSpPr>
+          <p:cNvPr id="18" name="Straight Arrow Connector 17">
+            <a:extLst>
+              <a:ext uri="{FF2B5EF4-FFF2-40B4-BE49-F238E27FC236}">
+                <a16:creationId xmlns:a16="http://schemas.microsoft.com/office/drawing/2014/main" id="{7C1316AE-8F3C-4AB8-8A85-64B2A6066CF7}"/>
+              </a:ext>
+            </a:extLst>
+          </p:cNvPr>
+          <p:cNvCxnSpPr>
+            <a:cxnSpLocks/>
+          </p:cNvCxnSpPr>
+          <p:nvPr/>
+        </p:nvCxnSpPr>
+        <p:spPr>
+          <a:xfrm flipV="1">
+            <a:off x="4426825" y="4733059"/>
+            <a:ext cx="1923641" cy="388066"/>
           </a:xfrm>
           <a:prstGeom prst="straightConnector1">
             <a:avLst/>
@@ -12995,12 +13079,11 @@
 </file>
 
 <file path=customXml/item1.xml><?xml version="1.0" encoding="utf-8"?>
-<?mso-contentType ?>
-<FormTemplates xmlns="http://schemas.microsoft.com/sharepoint/v3/contenttype/forms">
-  <Display>DocumentLibraryForm</Display>
-  <Edit>DocumentLibraryForm</Edit>
-  <New>DocumentLibraryForm</New>
-</FormTemplates>
+<p:properties xmlns:p="http://schemas.microsoft.com/office/2006/metadata/properties" xmlns:xsi="http://www.w3.org/2001/XMLSchema-instance" xmlns:pc="http://schemas.microsoft.com/office/infopath/2007/PartnerControls">
+  <documentManagement>
+    <MediaServiceKeyPoints xmlns="71af3243-3dd4-4a8d-8c0d-dd76da1f02a5" xsi:nil="true"/>
+  </documentManagement>
+</p:properties>
 </file>
 
 <file path=customXml/item2.xml><?xml version="1.0" encoding="utf-8"?>
@@ -13215,17 +13298,20 @@
 </file>
 
 <file path=customXml/item3.xml><?xml version="1.0" encoding="utf-8"?>
-<p:properties xmlns:p="http://schemas.microsoft.com/office/2006/metadata/properties" xmlns:xsi="http://www.w3.org/2001/XMLSchema-instance" xmlns:pc="http://schemas.microsoft.com/office/infopath/2007/PartnerControls">
-  <documentManagement>
-    <MediaServiceKeyPoints xmlns="71af3243-3dd4-4a8d-8c0d-dd76da1f02a5" xsi:nil="true"/>
-  </documentManagement>
-</p:properties>
+<?mso-contentType ?>
+<FormTemplates xmlns="http://schemas.microsoft.com/sharepoint/v3/contenttype/forms">
+  <Display>DocumentLibraryForm</Display>
+  <Edit>DocumentLibraryForm</Edit>
+  <New>DocumentLibraryForm</New>
+</FormTemplates>
 </file>
 
 <file path=customXml/itemProps1.xml><?xml version="1.0" encoding="utf-8"?>
-<ds:datastoreItem xmlns:ds="http://schemas.openxmlformats.org/officeDocument/2006/customXml" ds:itemID="{52D0167F-E486-4F9B-83E2-993954E11F03}">
+<ds:datastoreItem xmlns:ds="http://schemas.openxmlformats.org/officeDocument/2006/customXml" ds:itemID="{BDB3E54F-9BB9-4821-81E3-A4EFEC7BD0AD}">
   <ds:schemaRefs>
-    <ds:schemaRef ds:uri="http://schemas.microsoft.com/sharepoint/v3/contenttype/forms"/>
+    <ds:schemaRef ds:uri="http://schemas.microsoft.com/office/2006/metadata/properties"/>
+    <ds:schemaRef ds:uri="http://schemas.microsoft.com/office/infopath/2007/PartnerControls"/>
+    <ds:schemaRef ds:uri="71af3243-3dd4-4a8d-8c0d-dd76da1f02a5"/>
   </ds:schemaRefs>
 </ds:datastoreItem>
 </file>
@@ -13250,11 +13336,9 @@
 </file>
 
 <file path=customXml/itemProps3.xml><?xml version="1.0" encoding="utf-8"?>
-<ds:datastoreItem xmlns:ds="http://schemas.openxmlformats.org/officeDocument/2006/customXml" ds:itemID="{BDB3E54F-9BB9-4821-81E3-A4EFEC7BD0AD}">
+<ds:datastoreItem xmlns:ds="http://schemas.openxmlformats.org/officeDocument/2006/customXml" ds:itemID="{52D0167F-E486-4F9B-83E2-993954E11F03}">
   <ds:schemaRefs>
-    <ds:schemaRef ds:uri="http://schemas.microsoft.com/office/2006/metadata/properties"/>
-    <ds:schemaRef ds:uri="http://schemas.microsoft.com/office/infopath/2007/PartnerControls"/>
-    <ds:schemaRef ds:uri="71af3243-3dd4-4a8d-8c0d-dd76da1f02a5"/>
+    <ds:schemaRef ds:uri="http://schemas.microsoft.com/sharepoint/v3/contenttype/forms"/>
   </ds:schemaRefs>
 </ds:datastoreItem>
 </file>
--- a/Vue/Vue-Router.pptx
+++ b/Vue/Vue-Router.pptx
@@ -12,13 +12,13 @@
   </p:handoutMasterIdLst>
   <p:sldIdLst>
     <p:sldId id="256" r:id="rId5"/>
-    <p:sldId id="266" r:id="rId6"/>
-    <p:sldId id="304" r:id="rId7"/>
-    <p:sldId id="262" r:id="rId8"/>
-    <p:sldId id="286" r:id="rId9"/>
-    <p:sldId id="303" r:id="rId10"/>
-    <p:sldId id="306" r:id="rId11"/>
-    <p:sldId id="308" r:id="rId12"/>
+    <p:sldId id="304" r:id="rId6"/>
+    <p:sldId id="262" r:id="rId7"/>
+    <p:sldId id="303" r:id="rId8"/>
+    <p:sldId id="306" r:id="rId9"/>
+    <p:sldId id="310" r:id="rId10"/>
+    <p:sldId id="308" r:id="rId11"/>
+    <p:sldId id="312" r:id="rId12"/>
   </p:sldIdLst>
   <p:sldSz cx="12192000" cy="6858000"/>
   <p:notesSz cx="6858000" cy="9144000"/>
@@ -222,7 +222,7 @@
           <a:p>
             <a:fld id="{18E9A1B5-1BE4-4CD6-80C4-143959F034D3}" type="datetimeFigureOut">
               <a:rPr lang="en-US" smtClean="0"/>
-              <a:t>12/9/2021</a:t>
+              <a:t>1/19/2023</a:t>
             </a:fld>
             <a:endParaRPr lang="en-US" dirty="0"/>
           </a:p>
@@ -399,7 +399,7 @@
           <a:p>
             <a:fld id="{D8E6120A-21AF-4F12-ABAA-66A70823631B}" type="datetimeFigureOut">
               <a:rPr lang="en-US" smtClean="0"/>
-              <a:t>12/9/2021</a:t>
+              <a:t>1/19/2023</a:t>
             </a:fld>
             <a:endParaRPr lang="en-US" dirty="0"/>
           </a:p>
@@ -1877,7 +1877,7 @@
           <a:p>
             <a:fld id="{EF63B152-7103-4FFE-90AC-D94EB7F44A7E}" type="datetimeFigureOut">
               <a:rPr lang="en-US" smtClean="0"/>
-              <a:t>12/9/2021</a:t>
+              <a:t>1/19/2023</a:t>
             </a:fld>
             <a:endParaRPr lang="en-US" dirty="0"/>
           </a:p>
@@ -2115,7 +2115,7 @@
           <a:p>
             <a:fld id="{EF63B152-7103-4FFE-90AC-D94EB7F44A7E}" type="datetimeFigureOut">
               <a:rPr lang="en-US" smtClean="0"/>
-              <a:t>12/9/2021</a:t>
+              <a:t>1/19/2023</a:t>
             </a:fld>
             <a:endParaRPr lang="en-US" dirty="0"/>
           </a:p>
@@ -2295,7 +2295,7 @@
           <a:p>
             <a:fld id="{EF63B152-7103-4FFE-90AC-D94EB7F44A7E}" type="datetimeFigureOut">
               <a:rPr lang="en-US" smtClean="0"/>
-              <a:t>12/9/2021</a:t>
+              <a:t>1/19/2023</a:t>
             </a:fld>
             <a:endParaRPr lang="en-US" dirty="0"/>
           </a:p>
@@ -2465,7 +2465,7 @@
           <a:p>
             <a:fld id="{EF63B152-7103-4FFE-90AC-D94EB7F44A7E}" type="datetimeFigureOut">
               <a:rPr lang="en-US" smtClean="0"/>
-              <a:t>12/9/2021</a:t>
+              <a:t>1/19/2023</a:t>
             </a:fld>
             <a:endParaRPr lang="en-US" dirty="0"/>
           </a:p>
@@ -2741,7 +2741,7 @@
           <a:p>
             <a:fld id="{EF63B152-7103-4FFE-90AC-D94EB7F44A7E}" type="datetimeFigureOut">
               <a:rPr lang="en-US" smtClean="0"/>
-              <a:t>12/9/2021</a:t>
+              <a:t>1/19/2023</a:t>
             </a:fld>
             <a:endParaRPr lang="en-US" dirty="0"/>
           </a:p>
@@ -3942,7 +3942,7 @@
           <a:p>
             <a:fld id="{EF63B152-7103-4FFE-90AC-D94EB7F44A7E}" type="datetimeFigureOut">
               <a:rPr lang="en-US" smtClean="0"/>
-              <a:t>12/9/2021</a:t>
+              <a:t>1/19/2023</a:t>
             </a:fld>
             <a:endParaRPr lang="en-US" dirty="0"/>
           </a:p>
@@ -4332,7 +4332,7 @@
           <a:p>
             <a:fld id="{EF63B152-7103-4FFE-90AC-D94EB7F44A7E}" type="datetimeFigureOut">
               <a:rPr lang="en-US" smtClean="0"/>
-              <a:t>12/9/2021</a:t>
+              <a:t>1/19/2023</a:t>
             </a:fld>
             <a:endParaRPr lang="en-US" dirty="0"/>
           </a:p>
@@ -4455,7 +4455,7 @@
           <a:p>
             <a:fld id="{EF63B152-7103-4FFE-90AC-D94EB7F44A7E}" type="datetimeFigureOut">
               <a:rPr lang="en-US" smtClean="0"/>
-              <a:t>12/9/2021</a:t>
+              <a:t>1/19/2023</a:t>
             </a:fld>
             <a:endParaRPr lang="en-US" dirty="0"/>
           </a:p>
@@ -4550,7 +4550,7 @@
           <a:p>
             <a:fld id="{EF63B152-7103-4FFE-90AC-D94EB7F44A7E}" type="datetimeFigureOut">
               <a:rPr lang="en-US" smtClean="0"/>
-              <a:t>12/9/2021</a:t>
+              <a:t>1/19/2023</a:t>
             </a:fld>
             <a:endParaRPr lang="en-US" dirty="0"/>
           </a:p>
@@ -5313,7 +5313,7 @@
           <a:p>
             <a:fld id="{EF63B152-7103-4FFE-90AC-D94EB7F44A7E}" type="datetimeFigureOut">
               <a:rPr lang="en-US" smtClean="0"/>
-              <a:t>12/9/2021</a:t>
+              <a:t>1/19/2023</a:t>
             </a:fld>
             <a:endParaRPr lang="en-US" dirty="0"/>
           </a:p>
@@ -6153,7 +6153,7 @@
           <a:p>
             <a:fld id="{EF63B152-7103-4FFE-90AC-D94EB7F44A7E}" type="datetimeFigureOut">
               <a:rPr lang="en-US" smtClean="0"/>
-              <a:t>12/9/2021</a:t>
+              <a:t>1/19/2023</a:t>
             </a:fld>
             <a:endParaRPr lang="en-US" dirty="0"/>
           </a:p>
@@ -6380,7 +6380,7 @@
           <a:p>
             <a:fld id="{EF63B152-7103-4FFE-90AC-D94EB7F44A7E}" type="datetimeFigureOut">
               <a:rPr lang="en-US" smtClean="0"/>
-              <a:t>12/9/2021</a:t>
+              <a:t>1/19/2023</a:t>
             </a:fld>
             <a:endParaRPr lang="en-US" dirty="0"/>
           </a:p>
@@ -7552,310 +7552,6 @@
               <a:rPr lang="en-US" sz="4000" dirty="0">
                 <a:latin typeface="Gill Sans MT (Body)"/>
               </a:rPr>
-              <a:t>Vue.js</a:t>
-            </a:r>
-          </a:p>
-        </p:txBody>
-      </p:sp>
-      <p:sp>
-        <p:nvSpPr>
-          <p:cNvPr id="3" name="Content Placeholder 2">
-            <a:extLst>
-              <a:ext uri="{FF2B5EF4-FFF2-40B4-BE49-F238E27FC236}">
-                <a16:creationId xmlns:a16="http://schemas.microsoft.com/office/drawing/2014/main" id="{6797BDE5-A8BD-4286-8221-21664A41BD79}"/>
-              </a:ext>
-            </a:extLst>
-          </p:cNvPr>
-          <p:cNvSpPr>
-            <a:spLocks noGrp="1"/>
-          </p:cNvSpPr>
-          <p:nvPr>
-            <p:ph idx="1"/>
-          </p:nvPr>
-        </p:nvSpPr>
-        <p:spPr>
-          <a:xfrm>
-            <a:off x="1444183" y="1085228"/>
-            <a:ext cx="10178322" cy="5508077"/>
-          </a:xfrm>
-        </p:spPr>
-        <p:txBody>
-          <a:bodyPr>
-            <a:normAutofit fontScale="77500" lnSpcReduction="20000"/>
-          </a:bodyPr>
-          <a:lstStyle/>
-          <a:p>
-            <a:r>
-              <a:rPr lang="sv-SE" sz="2800" dirty="0" err="1">
-                <a:latin typeface="Gill Sans MT (Body)"/>
-                <a:cs typeface="Times New Roman" panose="02020603050405020304" pitchFamily="18" charset="0"/>
-              </a:rPr>
-              <a:t>Vue</a:t>
-            </a:r>
-            <a:r>
-              <a:rPr lang="sv-SE" sz="2800" dirty="0">
-                <a:latin typeface="Gill Sans MT (Body)"/>
-                <a:cs typeface="Times New Roman" panose="02020603050405020304" pitchFamily="18" charset="0"/>
-              </a:rPr>
-              <a:t> är ett </a:t>
-            </a:r>
-            <a:r>
-              <a:rPr lang="sv-SE" sz="2800" u="sng" dirty="0">
-                <a:latin typeface="Gill Sans MT (Body)"/>
-                <a:cs typeface="Times New Roman" panose="02020603050405020304" pitchFamily="18" charset="0"/>
-              </a:rPr>
-              <a:t>progressivt</a:t>
-            </a:r>
-            <a:r>
-              <a:rPr lang="sv-SE" sz="2800" dirty="0">
-                <a:latin typeface="Gill Sans MT (Body)"/>
-                <a:cs typeface="Times New Roman" panose="02020603050405020304" pitchFamily="18" charset="0"/>
-              </a:rPr>
-              <a:t> ramverk för att bygga användargränssnitt.</a:t>
-            </a:r>
-          </a:p>
-          <a:p>
-            <a:endParaRPr lang="en-US" sz="2800" dirty="0">
-              <a:latin typeface="Gill Sans MT (Body)"/>
-              <a:cs typeface="Times New Roman" panose="02020603050405020304" pitchFamily="18" charset="0"/>
-            </a:endParaRPr>
-          </a:p>
-          <a:p>
-            <a:r>
-              <a:rPr lang="sv-SE" sz="2800" dirty="0" err="1">
-                <a:latin typeface="Gill Sans MT (Body)"/>
-                <a:cs typeface="Times New Roman" panose="02020603050405020304" pitchFamily="18" charset="0"/>
-              </a:rPr>
-              <a:t>Core</a:t>
-            </a:r>
-            <a:r>
-              <a:rPr lang="sv-SE" sz="2800" dirty="0">
-                <a:latin typeface="Gill Sans MT (Body)"/>
-                <a:cs typeface="Times New Roman" panose="02020603050405020304" pitchFamily="18" charset="0"/>
-              </a:rPr>
-              <a:t> delen av ramverket är endast fokuserat på visningsskiktet (UI) och är enkelt att komma igång med.</a:t>
-            </a:r>
-          </a:p>
-          <a:p>
-            <a:endParaRPr lang="sv-SE" sz="2800" dirty="0">
-              <a:latin typeface="Gill Sans MT (Body)"/>
-              <a:cs typeface="Times New Roman" panose="02020603050405020304" pitchFamily="18" charset="0"/>
-            </a:endParaRPr>
-          </a:p>
-          <a:p>
-            <a:r>
-              <a:rPr lang="sv-SE" sz="2800" dirty="0" err="1">
-                <a:latin typeface="Gill Sans MT (Body)"/>
-                <a:cs typeface="Times New Roman" panose="02020603050405020304" pitchFamily="18" charset="0"/>
-              </a:rPr>
-              <a:t>Vue</a:t>
-            </a:r>
-            <a:r>
-              <a:rPr lang="sv-SE" sz="2800" dirty="0">
-                <a:latin typeface="Gill Sans MT (Body)"/>
-                <a:cs typeface="Times New Roman" panose="02020603050405020304" pitchFamily="18" charset="0"/>
-              </a:rPr>
-              <a:t> är också fullt kapabelt att bygga sofistikerade applikationer (</a:t>
-            </a:r>
-            <a:r>
-              <a:rPr lang="sv-SE" sz="2800" dirty="0" err="1">
-                <a:latin typeface="Gill Sans MT (Body)"/>
-                <a:cs typeface="Times New Roman" panose="02020603050405020304" pitchFamily="18" charset="0"/>
-              </a:rPr>
-              <a:t>Single</a:t>
-            </a:r>
-            <a:r>
-              <a:rPr lang="sv-SE" sz="2800" dirty="0">
-                <a:latin typeface="Gill Sans MT (Body)"/>
-                <a:cs typeface="Times New Roman" panose="02020603050405020304" pitchFamily="18" charset="0"/>
-              </a:rPr>
-              <a:t> Page </a:t>
-            </a:r>
-            <a:r>
-              <a:rPr lang="sv-SE" sz="2800" dirty="0" err="1">
-                <a:latin typeface="Gill Sans MT (Body)"/>
-                <a:cs typeface="Times New Roman" panose="02020603050405020304" pitchFamily="18" charset="0"/>
-              </a:rPr>
-              <a:t>Applications</a:t>
-            </a:r>
-            <a:r>
-              <a:rPr lang="sv-SE" sz="2800" dirty="0">
-                <a:latin typeface="Gill Sans MT (Body)"/>
-                <a:cs typeface="Times New Roman" panose="02020603050405020304" pitchFamily="18" charset="0"/>
-              </a:rPr>
-              <a:t>).</a:t>
-            </a:r>
-          </a:p>
-          <a:p>
-            <a:endParaRPr lang="sv-SE" sz="2800" dirty="0">
-              <a:latin typeface="Gill Sans MT (Body)"/>
-              <a:cs typeface="Times New Roman" panose="02020603050405020304" pitchFamily="18" charset="0"/>
-            </a:endParaRPr>
-          </a:p>
-          <a:p>
-            <a:r>
-              <a:rPr lang="sv-SE" sz="2800" dirty="0" err="1">
-                <a:latin typeface="Gill Sans MT (Body)"/>
-                <a:cs typeface="Times New Roman" panose="02020603050405020304" pitchFamily="18" charset="0"/>
-              </a:rPr>
-              <a:t>Vue</a:t>
-            </a:r>
-            <a:r>
-              <a:rPr lang="sv-SE" sz="2800" dirty="0">
-                <a:latin typeface="Gill Sans MT (Body)"/>
-                <a:cs typeface="Times New Roman" panose="02020603050405020304" pitchFamily="18" charset="0"/>
-              </a:rPr>
-              <a:t> är flexibelt, enkelt och </a:t>
-            </a:r>
-            <a:r>
-              <a:rPr lang="sv-SE" sz="2800" u="sng" dirty="0">
-                <a:latin typeface="Gill Sans MT (Body)"/>
-                <a:cs typeface="Times New Roman" panose="02020603050405020304" pitchFamily="18" charset="0"/>
-              </a:rPr>
-              <a:t>reaktivt.</a:t>
-            </a:r>
-          </a:p>
-          <a:p>
-            <a:endParaRPr lang="sv-SE" sz="2800" dirty="0">
-              <a:latin typeface="Gill Sans MT (Body)"/>
-              <a:cs typeface="Times New Roman" panose="02020603050405020304" pitchFamily="18" charset="0"/>
-            </a:endParaRPr>
-          </a:p>
-          <a:p>
-            <a:r>
-              <a:rPr lang="sv-SE" sz="2800" dirty="0" err="1">
-                <a:latin typeface="Gill Sans MT (Body)"/>
-                <a:cs typeface="Times New Roman" panose="02020603050405020304" pitchFamily="18" charset="0"/>
-              </a:rPr>
-              <a:t>Vue</a:t>
-            </a:r>
-            <a:r>
-              <a:rPr lang="sv-SE" sz="2800" dirty="0">
-                <a:latin typeface="Gill Sans MT (Body)"/>
-                <a:cs typeface="Times New Roman" panose="02020603050405020304" pitchFamily="18" charset="0"/>
-              </a:rPr>
-              <a:t> tillåter dig att använde det i en del av en befintlig applikation (plugin) eller hantera hela applikationen från start (CLI).</a:t>
-            </a:r>
-          </a:p>
-          <a:p>
-            <a:endParaRPr lang="sv-SE" sz="2800" dirty="0">
-              <a:latin typeface="Gill Sans MT (Body)"/>
-              <a:cs typeface="Times New Roman" panose="02020603050405020304" pitchFamily="18" charset="0"/>
-            </a:endParaRPr>
-          </a:p>
-          <a:p>
-            <a:r>
-              <a:rPr lang="sv-SE" sz="2800" dirty="0" err="1">
-                <a:latin typeface="Gill Sans MT (Body)"/>
-                <a:cs typeface="Times New Roman" panose="02020603050405020304" pitchFamily="18" charset="0"/>
-              </a:rPr>
-              <a:t>Vue-Directives</a:t>
-            </a:r>
-            <a:r>
-              <a:rPr lang="sv-SE" sz="2800" dirty="0">
-                <a:latin typeface="Gill Sans MT (Body)"/>
-                <a:cs typeface="Times New Roman" panose="02020603050405020304" pitchFamily="18" charset="0"/>
-              </a:rPr>
-              <a:t> är den del av </a:t>
-            </a:r>
-            <a:r>
-              <a:rPr lang="sv-SE" sz="2800" dirty="0" err="1">
-                <a:latin typeface="Gill Sans MT (Body)"/>
-                <a:cs typeface="Times New Roman" panose="02020603050405020304" pitchFamily="18" charset="0"/>
-              </a:rPr>
-              <a:t>Vue</a:t>
-            </a:r>
-            <a:r>
-              <a:rPr lang="sv-SE" sz="2800" dirty="0">
-                <a:latin typeface="Gill Sans MT (Body)"/>
-                <a:cs typeface="Times New Roman" panose="02020603050405020304" pitchFamily="18" charset="0"/>
-              </a:rPr>
-              <a:t> som lägger speciell betydelse och beteende till vanliga html-element på sidan.</a:t>
-            </a:r>
-          </a:p>
-          <a:p>
-            <a:endParaRPr lang="sv-SE" sz="2800" dirty="0">
-              <a:latin typeface="Gill Sans MT (Body)"/>
-              <a:cs typeface="Times New Roman" panose="02020603050405020304" pitchFamily="18" charset="0"/>
-            </a:endParaRPr>
-          </a:p>
-          <a:p>
-            <a:endParaRPr lang="sv-SE" sz="2800" dirty="0">
-              <a:latin typeface="Gill Sans MT (Body)"/>
-              <a:cs typeface="Times New Roman" panose="02020603050405020304" pitchFamily="18" charset="0"/>
-            </a:endParaRPr>
-          </a:p>
-          <a:p>
-            <a:endParaRPr lang="en-US" sz="2800" dirty="0">
-              <a:latin typeface="Gill Sans MT (Body)"/>
-              <a:cs typeface="Times New Roman" panose="02020603050405020304" pitchFamily="18" charset="0"/>
-            </a:endParaRPr>
-          </a:p>
-        </p:txBody>
-      </p:sp>
-    </p:spTree>
-    <p:extLst>
-      <p:ext uri="{BB962C8B-B14F-4D97-AF65-F5344CB8AC3E}">
-        <p14:creationId xmlns:p14="http://schemas.microsoft.com/office/powerpoint/2010/main" val="1650278780"/>
-      </p:ext>
-    </p:extLst>
-  </p:cSld>
-  <p:clrMapOvr>
-    <a:masterClrMapping/>
-  </p:clrMapOvr>
-</p:sld>
-</file>
-
-<file path=ppt/slides/slide3.xml><?xml version="1.0" encoding="utf-8"?>
-<p:sld xmlns:a="http://schemas.openxmlformats.org/drawingml/2006/main" xmlns:r="http://schemas.openxmlformats.org/officeDocument/2006/relationships" xmlns:p="http://schemas.openxmlformats.org/presentationml/2006/main">
-  <p:cSld>
-    <p:spTree>
-      <p:nvGrpSpPr>
-        <p:cNvPr id="1" name=""/>
-        <p:cNvGrpSpPr/>
-        <p:nvPr/>
-      </p:nvGrpSpPr>
-      <p:grpSpPr>
-        <a:xfrm>
-          <a:off x="0" y="0"/>
-          <a:ext cx="0" cy="0"/>
-          <a:chOff x="0" y="0"/>
-          <a:chExt cx="0" cy="0"/>
-        </a:xfrm>
-      </p:grpSpPr>
-      <p:sp>
-        <p:nvSpPr>
-          <p:cNvPr id="2" name="Title 1">
-            <a:extLst>
-              <a:ext uri="{FF2B5EF4-FFF2-40B4-BE49-F238E27FC236}">
-                <a16:creationId xmlns:a16="http://schemas.microsoft.com/office/drawing/2014/main" id="{8EDAE078-3CB3-4D1F-8E4E-75C6D5DA8D1A}"/>
-              </a:ext>
-            </a:extLst>
-          </p:cNvPr>
-          <p:cNvSpPr>
-            <a:spLocks noGrp="1"/>
-          </p:cNvSpPr>
-          <p:nvPr>
-            <p:ph type="title"/>
-          </p:nvPr>
-        </p:nvSpPr>
-        <p:spPr>
-          <a:xfrm>
-            <a:off x="1203434" y="382385"/>
-            <a:ext cx="10893973" cy="596023"/>
-          </a:xfrm>
-        </p:spPr>
-        <p:txBody>
-          <a:bodyPr>
-            <a:normAutofit fontScale="90000"/>
-          </a:bodyPr>
-          <a:lstStyle/>
-          <a:p>
-            <a:pPr algn="ctr"/>
-            <a:r>
-              <a:rPr lang="en-US" sz="4000" dirty="0">
-                <a:latin typeface="Gill Sans MT (Body)"/>
-              </a:rPr>
               <a:t>Vue-Router</a:t>
             </a:r>
           </a:p>
@@ -7885,7 +7581,7 @@
         </p:spPr>
         <p:txBody>
           <a:bodyPr>
-            <a:normAutofit/>
+            <a:normAutofit fontScale="85000" lnSpcReduction="20000"/>
           </a:bodyPr>
           <a:lstStyle/>
           <a:p>
@@ -7916,6 +7612,43 @@
                 <a:cs typeface="Times New Roman" panose="02020603050405020304" pitchFamily="18" charset="0"/>
               </a:rPr>
               <a:t> applikation.</a:t>
+            </a:r>
+          </a:p>
+          <a:p>
+            <a:r>
+              <a:rPr lang="sv-SE" sz="2800" dirty="0">
+                <a:latin typeface="Gill Sans MT (Body)"/>
+                <a:cs typeface="Times New Roman" panose="02020603050405020304" pitchFamily="18" charset="0"/>
+              </a:rPr>
+              <a:t>I </a:t>
+            </a:r>
+            <a:r>
+              <a:rPr lang="sv-SE" sz="2800" dirty="0" err="1">
+                <a:latin typeface="Gill Sans MT (Body)"/>
+                <a:cs typeface="Times New Roman" panose="02020603050405020304" pitchFamily="18" charset="0"/>
+              </a:rPr>
+              <a:t>Quasar</a:t>
+            </a:r>
+            <a:r>
+              <a:rPr lang="sv-SE" sz="2800" dirty="0">
+                <a:latin typeface="Gill Sans MT (Body)"/>
+                <a:cs typeface="Times New Roman" panose="02020603050405020304" pitchFamily="18" charset="0"/>
+              </a:rPr>
+              <a:t> </a:t>
+            </a:r>
+            <a:r>
+              <a:rPr lang="sv-SE" sz="2800" dirty="0" err="1">
+                <a:latin typeface="Gill Sans MT (Body)"/>
+                <a:cs typeface="Times New Roman" panose="02020603050405020304" pitchFamily="18" charset="0"/>
+              </a:rPr>
+              <a:t>Framework</a:t>
+            </a:r>
+            <a:r>
+              <a:rPr lang="sv-SE" sz="2800" dirty="0">
+                <a:latin typeface="Gill Sans MT (Body)"/>
+                <a:cs typeface="Times New Roman" panose="02020603050405020304" pitchFamily="18" charset="0"/>
+              </a:rPr>
+              <a:t> är det inbyggt så man behöver inte göra något extra.</a:t>
             </a:r>
           </a:p>
           <a:p>
@@ -7961,7 +7694,7 @@
         </p:blipFill>
         <p:spPr bwMode="auto">
           <a:xfrm>
-            <a:off x="7060009" y="1946675"/>
+            <a:off x="7127121" y="3125755"/>
             <a:ext cx="4562496" cy="3732245"/>
           </a:xfrm>
           <a:prstGeom prst="rect">
@@ -8008,7 +7741,7 @@
         </p:blipFill>
         <p:spPr bwMode="auto">
           <a:xfrm>
-            <a:off x="1065403" y="2515244"/>
+            <a:off x="1151030" y="3880510"/>
             <a:ext cx="5784882" cy="2595105"/>
           </a:xfrm>
           <a:prstGeom prst="rect">
@@ -8039,7 +7772,7 @@
 </p:sld>
 </file>
 
-<file path=ppt/slides/slide4.xml><?xml version="1.0" encoding="utf-8"?>
+<file path=ppt/slides/slide3.xml><?xml version="1.0" encoding="utf-8"?>
 <p:sld xmlns:a="http://schemas.openxmlformats.org/drawingml/2006/main" xmlns:r="http://schemas.openxmlformats.org/officeDocument/2006/relationships" xmlns:p="http://schemas.openxmlformats.org/presentationml/2006/main">
   <p:cSld>
     <p:bg>
@@ -9474,18 +9207,25 @@
               <a:buAutoNum type="arabicPeriod"/>
             </a:pPr>
             <a:r>
+              <a:rPr lang="en-US" sz="2800" dirty="0">
+                <a:latin typeface="Gill Sans MT (Body)"/>
+                <a:cs typeface="Times New Roman" panose="02020603050405020304" pitchFamily="18" charset="0"/>
+              </a:rPr>
+              <a:t>Vue-Router </a:t>
+            </a:r>
+            <a:r>
               <a:rPr lang="en-US" sz="2800" dirty="0" err="1">
                 <a:latin typeface="Gill Sans MT (Body)"/>
                 <a:cs typeface="Times New Roman" panose="02020603050405020304" pitchFamily="18" charset="0"/>
               </a:rPr>
-              <a:t>Installera</a:t>
+              <a:t>i</a:t>
             </a:r>
             <a:r>
               <a:rPr lang="en-US" sz="2800" dirty="0">
                 <a:latin typeface="Gill Sans MT (Body)"/>
                 <a:cs typeface="Times New Roman" panose="02020603050405020304" pitchFamily="18" charset="0"/>
               </a:rPr>
-              <a:t> Vue-Router</a:t>
+              <a:t> routes.js</a:t>
             </a:r>
           </a:p>
           <a:p>
@@ -9574,7 +9314,7 @@
 </p:sld>
 </file>
 
-<file path=ppt/slides/slide5.xml><?xml version="1.0" encoding="utf-8"?>
+<file path=ppt/slides/slide4.xml><?xml version="1.0" encoding="utf-8"?>
 <p:sld xmlns:a="http://schemas.openxmlformats.org/drawingml/2006/main" xmlns:r="http://schemas.openxmlformats.org/officeDocument/2006/relationships" xmlns:p="http://schemas.openxmlformats.org/presentationml/2006/main">
   <p:cSld>
     <p:spTree>
@@ -9621,192 +9361,50 @@
           <a:p>
             <a:pPr algn="ctr"/>
             <a:r>
+              <a:rPr lang="en-US" sz="4000" dirty="0" err="1">
+                <a:latin typeface="Gill Sans MT (Body)"/>
+              </a:rPr>
+              <a:t>Lägg</a:t>
+            </a:r>
+            <a:r>
               <a:rPr lang="en-US" sz="4000" dirty="0">
                 <a:latin typeface="Gill Sans MT (Body)"/>
               </a:rPr>
-              <a:t>Installation</a:t>
-            </a:r>
-          </a:p>
-        </p:txBody>
-      </p:sp>
-      <p:sp>
-        <p:nvSpPr>
-          <p:cNvPr id="4" name="Content Placeholder 3">
-            <a:extLst>
-              <a:ext uri="{FF2B5EF4-FFF2-40B4-BE49-F238E27FC236}">
-                <a16:creationId xmlns:a16="http://schemas.microsoft.com/office/drawing/2014/main" id="{BBBB7D6D-1FAA-404F-91DC-586C99FFC3DB}"/>
-              </a:ext>
-            </a:extLst>
-          </p:cNvPr>
-          <p:cNvSpPr>
-            <a:spLocks noGrp="1"/>
-          </p:cNvSpPr>
-          <p:nvPr>
-            <p:ph idx="1"/>
-          </p:nvPr>
-        </p:nvSpPr>
-        <p:spPr>
-          <a:xfrm>
-            <a:off x="1552870" y="1964405"/>
-            <a:ext cx="10178322" cy="2929189"/>
-          </a:xfrm>
-        </p:spPr>
-        <p:txBody>
-          <a:bodyPr>
-            <a:normAutofit/>
-          </a:bodyPr>
-          <a:lstStyle/>
-          <a:p>
-            <a:r>
-              <a:rPr lang="en-US" dirty="0"/>
-              <a:t>I </a:t>
-            </a:r>
-            <a:r>
-              <a:rPr lang="en-US" dirty="0" err="1"/>
-              <a:t>en</a:t>
-            </a:r>
-            <a:r>
-              <a:rPr lang="en-US" dirty="0"/>
-              <a:t> application </a:t>
-            </a:r>
-            <a:r>
-              <a:rPr lang="en-US" dirty="0" err="1"/>
-              <a:t>genererad</a:t>
-            </a:r>
-            <a:r>
-              <a:rPr lang="en-US" dirty="0"/>
-              <a:t> med VUE CLI</a:t>
-            </a:r>
-          </a:p>
-          <a:p>
-            <a:pPr lvl="1"/>
-            <a:r>
-              <a:rPr lang="en-US" dirty="0" err="1"/>
-              <a:t>Installera</a:t>
-            </a:r>
-            <a:r>
-              <a:rPr lang="en-US" dirty="0"/>
-              <a:t> </a:t>
-            </a:r>
-            <a:r>
-              <a:rPr lang="en-US" dirty="0" err="1"/>
-              <a:t>vue</a:t>
-            </a:r>
-            <a:r>
-              <a:rPr lang="en-US" dirty="0"/>
-              <a:t>-router </a:t>
-            </a:r>
-            <a:r>
-              <a:rPr lang="en-US" dirty="0" err="1"/>
-              <a:t>genom</a:t>
-            </a:r>
-            <a:r>
-              <a:rPr lang="en-US" dirty="0"/>
-              <a:t> </a:t>
-            </a:r>
-            <a:r>
-              <a:rPr lang="en-US" dirty="0" err="1"/>
-              <a:t>kommandot</a:t>
-            </a:r>
-            <a:r>
-              <a:rPr lang="en-US" dirty="0"/>
-              <a:t> </a:t>
-            </a:r>
-            <a:r>
-              <a:rPr lang="en-US" dirty="0" err="1"/>
-              <a:t>nedan</a:t>
-            </a:r>
-            <a:r>
-              <a:rPr lang="en-US" dirty="0"/>
-              <a:t> </a:t>
-            </a:r>
-            <a:r>
-              <a:rPr lang="en-US" dirty="0" err="1"/>
-              <a:t>i</a:t>
-            </a:r>
-            <a:r>
-              <a:rPr lang="en-US" dirty="0"/>
-              <a:t> </a:t>
-            </a:r>
-            <a:r>
-              <a:rPr lang="en-US" dirty="0" err="1"/>
-              <a:t>terminalen</a:t>
-            </a:r>
-            <a:r>
-              <a:rPr lang="en-US" dirty="0"/>
-              <a:t> </a:t>
-            </a:r>
-            <a:r>
-              <a:rPr lang="en-US" dirty="0" err="1"/>
-              <a:t>i</a:t>
-            </a:r>
-            <a:r>
-              <a:rPr lang="en-US" dirty="0"/>
-              <a:t> </a:t>
-            </a:r>
-            <a:r>
-              <a:rPr lang="en-US" dirty="0" err="1"/>
-              <a:t>mappen</a:t>
-            </a:r>
-            <a:r>
-              <a:rPr lang="en-US" dirty="0"/>
-              <a:t> för </a:t>
-            </a:r>
-            <a:r>
-              <a:rPr lang="en-US" dirty="0" err="1"/>
-              <a:t>projektet</a:t>
-            </a:r>
-            <a:r>
-              <a:rPr lang="en-US" dirty="0"/>
-              <a:t>.</a:t>
-            </a:r>
-          </a:p>
-        </p:txBody>
-      </p:sp>
-      <p:sp>
-        <p:nvSpPr>
-          <p:cNvPr id="7" name="TextBox 6">
-            <a:extLst>
-              <a:ext uri="{FF2B5EF4-FFF2-40B4-BE49-F238E27FC236}">
-                <a16:creationId xmlns:a16="http://schemas.microsoft.com/office/drawing/2014/main" id="{42A89CC1-2998-4C67-A86A-A4C97B8751E1}"/>
-              </a:ext>
-            </a:extLst>
-          </p:cNvPr>
-          <p:cNvSpPr txBox="1"/>
-          <p:nvPr/>
-        </p:nvSpPr>
-        <p:spPr>
-          <a:xfrm>
-            <a:off x="4138863" y="883360"/>
-            <a:ext cx="4312399" cy="369332"/>
-          </a:xfrm>
-          <a:prstGeom prst="rect">
-            <a:avLst/>
-          </a:prstGeom>
-          <a:noFill/>
-        </p:spPr>
-        <p:txBody>
-          <a:bodyPr wrap="none" rtlCol="0">
-            <a:spAutoFit/>
-          </a:bodyPr>
-          <a:lstStyle/>
-          <a:p>
-            <a:r>
-              <a:rPr lang="en-US" dirty="0">
-                <a:hlinkClick r:id="rId2"/>
+              <a:t> till </a:t>
+            </a:r>
+            <a:r>
+              <a:rPr lang="en-US" sz="4000" dirty="0" err="1">
+                <a:latin typeface="Gill Sans MT (Body)"/>
               </a:rPr>
-              <a:t>https://next.router.vuejs.org/installation.html</a:t>
-            </a:r>
-            <a:endParaRPr lang="en-SE" dirty="0"/>
+              <a:t>ny</a:t>
+            </a:r>
+            <a:r>
+              <a:rPr lang="en-US" sz="4000" dirty="0">
+                <a:latin typeface="Gill Sans MT (Body)"/>
+              </a:rPr>
+              <a:t> page/</a:t>
+            </a:r>
+            <a:r>
+              <a:rPr lang="en-US" sz="4000" dirty="0" err="1">
+                <a:latin typeface="Gill Sans MT (Body)"/>
+              </a:rPr>
+              <a:t>sida</a:t>
+            </a:r>
+            <a:r>
+              <a:rPr lang="en-US" sz="4000" dirty="0">
+                <a:latin typeface="Gill Sans MT (Body)"/>
+              </a:rPr>
+              <a:t> I routes</a:t>
+            </a:r>
           </a:p>
         </p:txBody>
       </p:sp>
       <p:pic>
         <p:nvPicPr>
-          <p:cNvPr id="10" name="Picture 9">
+          <p:cNvPr id="5" name="Picture 4">
             <a:extLst>
               <a:ext uri="{FF2B5EF4-FFF2-40B4-BE49-F238E27FC236}">
-                <a16:creationId xmlns:a16="http://schemas.microsoft.com/office/drawing/2014/main" id="{E369F0E4-8755-48A6-933F-5A573CC7B4C3}"/>
+                <a16:creationId xmlns:a16="http://schemas.microsoft.com/office/drawing/2014/main" id="{A4E050AC-851C-88A4-8185-93465EF90861}"/>
               </a:ext>
             </a:extLst>
           </p:cNvPr>
@@ -9816,25 +9414,256 @@
           <p:nvPr/>
         </p:nvPicPr>
         <p:blipFill>
-          <a:blip r:embed="rId3"/>
+          <a:blip r:embed="rId2"/>
           <a:stretch>
             <a:fillRect/>
           </a:stretch>
         </p:blipFill>
         <p:spPr>
           <a:xfrm>
-            <a:off x="1606523" y="3025133"/>
-            <a:ext cx="7058025" cy="1228725"/>
+            <a:off x="976413" y="2764172"/>
+            <a:ext cx="8419182" cy="4061956"/>
           </a:xfrm>
           <a:prstGeom prst="rect">
             <a:avLst/>
           </a:prstGeom>
         </p:spPr>
       </p:pic>
+      <p:cxnSp>
+        <p:nvCxnSpPr>
+          <p:cNvPr id="28" name="Straight Arrow Connector 27">
+            <a:extLst>
+              <a:ext uri="{FF2B5EF4-FFF2-40B4-BE49-F238E27FC236}">
+                <a16:creationId xmlns:a16="http://schemas.microsoft.com/office/drawing/2014/main" id="{85850D84-36BA-4D83-973A-126F469D9187}"/>
+              </a:ext>
+            </a:extLst>
+          </p:cNvPr>
+          <p:cNvCxnSpPr>
+            <a:cxnSpLocks/>
+          </p:cNvCxnSpPr>
+          <p:nvPr/>
+        </p:nvCxnSpPr>
+        <p:spPr>
+          <a:xfrm>
+            <a:off x="1426128" y="1442241"/>
+            <a:ext cx="1079103" cy="4383389"/>
+          </a:xfrm>
+          <a:prstGeom prst="straightConnector1">
+            <a:avLst/>
+          </a:prstGeom>
+          <a:ln w="12700">
+            <a:tailEnd type="triangle"/>
+          </a:ln>
+        </p:spPr>
+        <p:style>
+          <a:lnRef idx="1">
+            <a:schemeClr val="accent1"/>
+          </a:lnRef>
+          <a:fillRef idx="0">
+            <a:schemeClr val="accent1"/>
+          </a:fillRef>
+          <a:effectRef idx="0">
+            <a:schemeClr val="accent1"/>
+          </a:effectRef>
+          <a:fontRef idx="minor">
+            <a:schemeClr val="tx1"/>
+          </a:fontRef>
+        </p:style>
+      </p:cxnSp>
+      <p:sp>
+        <p:nvSpPr>
+          <p:cNvPr id="10" name="TextBox 9">
+            <a:extLst>
+              <a:ext uri="{FF2B5EF4-FFF2-40B4-BE49-F238E27FC236}">
+                <a16:creationId xmlns:a16="http://schemas.microsoft.com/office/drawing/2014/main" id="{C095E24E-DD36-7CE7-D52D-594A48CE3E21}"/>
+              </a:ext>
+            </a:extLst>
+          </p:cNvPr>
+          <p:cNvSpPr txBox="1"/>
+          <p:nvPr/>
+        </p:nvSpPr>
+        <p:spPr>
+          <a:xfrm>
+            <a:off x="911323" y="892369"/>
+            <a:ext cx="8883941" cy="1477328"/>
+          </a:xfrm>
+          <a:prstGeom prst="rect">
+            <a:avLst/>
+          </a:prstGeom>
+          <a:noFill/>
+        </p:spPr>
+        <p:txBody>
+          <a:bodyPr wrap="square" rtlCol="0">
+            <a:spAutoFit/>
+          </a:bodyPr>
+          <a:lstStyle/>
+          <a:p>
+            <a:pPr marL="342900" indent="-342900">
+              <a:buFont typeface="+mj-lt"/>
+              <a:buAutoNum type="arabicPeriod"/>
+            </a:pPr>
+            <a:r>
+              <a:rPr lang="sv-SE" dirty="0"/>
+              <a:t>För att skapa en ny sida/page i  </a:t>
+            </a:r>
+            <a:r>
+              <a:rPr lang="sv-SE" dirty="0" err="1"/>
+              <a:t>Vue</a:t>
+            </a:r>
+            <a:r>
+              <a:rPr lang="sv-SE" dirty="0"/>
+              <a:t>/</a:t>
+            </a:r>
+            <a:r>
+              <a:rPr lang="sv-SE" dirty="0" err="1"/>
+              <a:t>Quasar</a:t>
+            </a:r>
+            <a:r>
+              <a:rPr lang="sv-SE" dirty="0"/>
+              <a:t> behöver sidan först skapas i mappen pages</a:t>
+            </a:r>
+          </a:p>
+          <a:p>
+            <a:pPr marL="800100" lvl="1" indent="-342900">
+              <a:buFont typeface="+mj-lt"/>
+              <a:buAutoNum type="arabicPeriod"/>
+            </a:pPr>
+            <a:r>
+              <a:rPr lang="sv-SE" dirty="0"/>
+              <a:t>Här har sidan </a:t>
+            </a:r>
+            <a:r>
+              <a:rPr lang="sv-SE" dirty="0" err="1">
+                <a:solidFill>
+                  <a:schemeClr val="tx2">
+                    <a:lumMod val="75000"/>
+                    <a:lumOff val="25000"/>
+                  </a:schemeClr>
+                </a:solidFill>
+              </a:rPr>
+              <a:t>KalleKulaPage.vue</a:t>
+            </a:r>
+            <a:r>
+              <a:rPr lang="sv-SE" dirty="0">
+                <a:solidFill>
+                  <a:schemeClr val="tx2">
+                    <a:lumMod val="75000"/>
+                    <a:lumOff val="25000"/>
+                  </a:schemeClr>
+                </a:solidFill>
+              </a:rPr>
+              <a:t> </a:t>
+            </a:r>
+            <a:r>
+              <a:rPr lang="sv-SE" dirty="0"/>
+              <a:t>skapats.</a:t>
+            </a:r>
+            <a:br>
+              <a:rPr lang="sv-SE" dirty="0"/>
+            </a:br>
+            <a:endParaRPr lang="sv-SE" dirty="0"/>
+          </a:p>
+          <a:p>
+            <a:pPr marL="342900" indent="-342900">
+              <a:buFont typeface="+mj-lt"/>
+              <a:buAutoNum type="arabicPeriod"/>
+            </a:pPr>
+            <a:r>
+              <a:rPr lang="sv-SE" dirty="0"/>
+              <a:t> Därefter måste man skapa en rutt/</a:t>
+            </a:r>
+            <a:r>
+              <a:rPr lang="sv-SE" dirty="0" err="1"/>
+              <a:t>path</a:t>
+            </a:r>
+            <a:r>
+              <a:rPr lang="sv-SE" dirty="0"/>
+              <a:t> för sidan i routes.js filen.</a:t>
+            </a:r>
+          </a:p>
+          <a:p>
+            <a:pPr marL="800100" lvl="1" indent="-342900">
+              <a:buFont typeface="+mj-lt"/>
+              <a:buAutoNum type="arabicPeriod"/>
+            </a:pPr>
+            <a:r>
+              <a:rPr lang="sv-SE" dirty="0" err="1">
+                <a:solidFill>
+                  <a:schemeClr val="tx2">
+                    <a:lumMod val="75000"/>
+                    <a:lumOff val="25000"/>
+                  </a:schemeClr>
+                </a:solidFill>
+              </a:rPr>
+              <a:t>path</a:t>
+            </a:r>
+            <a:r>
+              <a:rPr lang="sv-SE" dirty="0"/>
+              <a:t> anger sökvägen och </a:t>
+            </a:r>
+            <a:r>
+              <a:rPr lang="sv-SE" dirty="0" err="1">
+                <a:solidFill>
+                  <a:schemeClr val="tx2">
+                    <a:lumMod val="75000"/>
+                    <a:lumOff val="25000"/>
+                  </a:schemeClr>
+                </a:solidFill>
+              </a:rPr>
+              <a:t>component</a:t>
+            </a:r>
+            <a:r>
+              <a:rPr lang="sv-SE" dirty="0"/>
+              <a:t> anger vilken sida det gäller.</a:t>
+            </a:r>
+          </a:p>
+        </p:txBody>
+      </p:sp>
+      <p:cxnSp>
+        <p:nvCxnSpPr>
+          <p:cNvPr id="12" name="Straight Arrow Connector 11">
+            <a:extLst>
+              <a:ext uri="{FF2B5EF4-FFF2-40B4-BE49-F238E27FC236}">
+                <a16:creationId xmlns:a16="http://schemas.microsoft.com/office/drawing/2014/main" id="{C25515A9-A7DF-1646-3B7B-95649D5E84BF}"/>
+              </a:ext>
+            </a:extLst>
+          </p:cNvPr>
+          <p:cNvCxnSpPr>
+            <a:cxnSpLocks/>
+          </p:cNvCxnSpPr>
+          <p:nvPr/>
+        </p:nvCxnSpPr>
+        <p:spPr>
+          <a:xfrm>
+            <a:off x="1258349" y="2038525"/>
+            <a:ext cx="2650921" cy="2290194"/>
+          </a:xfrm>
+          <a:prstGeom prst="straightConnector1">
+            <a:avLst/>
+          </a:prstGeom>
+          <a:ln w="12700">
+            <a:tailEnd type="triangle"/>
+          </a:ln>
+        </p:spPr>
+        <p:style>
+          <a:lnRef idx="1">
+            <a:schemeClr val="accent1"/>
+          </a:lnRef>
+          <a:fillRef idx="0">
+            <a:schemeClr val="accent1"/>
+          </a:fillRef>
+          <a:effectRef idx="0">
+            <a:schemeClr val="accent1"/>
+          </a:effectRef>
+          <a:fontRef idx="minor">
+            <a:schemeClr val="tx1"/>
+          </a:fontRef>
+        </p:style>
+      </p:cxnSp>
     </p:spTree>
     <p:extLst>
       <p:ext uri="{BB962C8B-B14F-4D97-AF65-F5344CB8AC3E}">
-        <p14:creationId xmlns:p14="http://schemas.microsoft.com/office/powerpoint/2010/main" val="1369894597"/>
+        <p14:creationId xmlns:p14="http://schemas.microsoft.com/office/powerpoint/2010/main" val="2839932691"/>
       </p:ext>
     </p:extLst>
   </p:cSld>
@@ -9844,7 +9673,7 @@
 </p:sld>
 </file>
 
-<file path=ppt/slides/slide6.xml><?xml version="1.0" encoding="utf-8"?>
+<file path=ppt/slides/slide5.xml><?xml version="1.0" encoding="utf-8"?>
 <p:sld xmlns:a="http://schemas.openxmlformats.org/drawingml/2006/main" xmlns:r="http://schemas.openxmlformats.org/officeDocument/2006/relationships" xmlns:p="http://schemas.openxmlformats.org/presentationml/2006/main">
   <p:cSld>
     <p:spTree>
@@ -9863,10 +9692,10 @@
       </p:grpSpPr>
       <p:pic>
         <p:nvPicPr>
-          <p:cNvPr id="4" name="Picture 3">
+          <p:cNvPr id="17" name="Picture 16">
             <a:extLst>
               <a:ext uri="{FF2B5EF4-FFF2-40B4-BE49-F238E27FC236}">
-                <a16:creationId xmlns:a16="http://schemas.microsoft.com/office/drawing/2014/main" id="{6EF6911F-4B89-49BB-9082-BCFCA18F7361}"/>
+                <a16:creationId xmlns:a16="http://schemas.microsoft.com/office/drawing/2014/main" id="{E0889E3B-BFE2-7837-BE58-1DAD9DAA7694}"/>
               </a:ext>
             </a:extLst>
           </p:cNvPr>
@@ -9883,8 +9712,8 @@
         </p:blipFill>
         <p:spPr>
           <a:xfrm>
-            <a:off x="6598" y="734954"/>
-            <a:ext cx="5839324" cy="5945356"/>
+            <a:off x="1195045" y="2520838"/>
+            <a:ext cx="8476289" cy="4320439"/>
           </a:xfrm>
           <a:prstGeom prst="rect">
             <a:avLst/>
@@ -9909,7 +9738,7 @@
         </p:nvSpPr>
         <p:spPr>
           <a:xfrm>
-            <a:off x="1195045" y="292227"/>
+            <a:off x="649013" y="279985"/>
             <a:ext cx="10893973" cy="596023"/>
           </a:xfrm>
         </p:spPr>
@@ -9924,23 +9753,23 @@
               <a:rPr lang="en-US" sz="4000" dirty="0" err="1">
                 <a:latin typeface="Gill Sans MT (Body)"/>
               </a:rPr>
-              <a:t>Konfigurera</a:t>
+              <a:t>AnvändA</a:t>
             </a:r>
             <a:r>
               <a:rPr lang="en-US" sz="4000" dirty="0">
                 <a:latin typeface="Gill Sans MT (Body)"/>
               </a:rPr>
-              <a:t> Vue-router</a:t>
+              <a:t> Vue-router med router-link</a:t>
             </a:r>
           </a:p>
         </p:txBody>
       </p:sp>
       <p:sp>
         <p:nvSpPr>
-          <p:cNvPr id="8" name="Rectangle 7">
+          <p:cNvPr id="25" name="Right Brace 24">
             <a:extLst>
               <a:ext uri="{FF2B5EF4-FFF2-40B4-BE49-F238E27FC236}">
-                <a16:creationId xmlns:a16="http://schemas.microsoft.com/office/drawing/2014/main" id="{0AF1965B-4B8D-440F-B5A7-6606859B3E01}"/>
+                <a16:creationId xmlns:a16="http://schemas.microsoft.com/office/drawing/2014/main" id="{86E73463-C698-4505-8A08-98EAC09A9FC4}"/>
               </a:ext>
             </a:extLst>
           </p:cNvPr>
@@ -9949,431 +9778,45 @@
         </p:nvSpPr>
         <p:spPr>
           <a:xfrm>
-            <a:off x="6455329" y="1106617"/>
-            <a:ext cx="5578677" cy="5324535"/>
+            <a:off x="8177113" y="3845297"/>
+            <a:ext cx="234892" cy="463505"/>
           </a:xfrm>
-          <a:prstGeom prst="rect">
-            <a:avLst/>
+          <a:prstGeom prst="rightBrace">
+            <a:avLst>
+              <a:gd name="adj1" fmla="val 15690"/>
+              <a:gd name="adj2" fmla="val 50000"/>
+            </a:avLst>
           </a:prstGeom>
         </p:spPr>
+        <p:style>
+          <a:lnRef idx="1">
+            <a:schemeClr val="accent1"/>
+          </a:lnRef>
+          <a:fillRef idx="0">
+            <a:schemeClr val="accent1"/>
+          </a:fillRef>
+          <a:effectRef idx="0">
+            <a:schemeClr val="accent1"/>
+          </a:effectRef>
+          <a:fontRef idx="minor">
+            <a:schemeClr val="tx1"/>
+          </a:fontRef>
+        </p:style>
         <p:txBody>
-          <a:bodyPr wrap="square">
-            <a:spAutoFit/>
-          </a:bodyPr>
+          <a:bodyPr rtlCol="0" anchor="ctr"/>
           <a:lstStyle/>
           <a:p>
-            <a:pPr marL="457200" indent="-457200">
-              <a:buFont typeface="+mj-lt"/>
-              <a:buAutoNum type="arabicPeriod"/>
-            </a:pPr>
-            <a:r>
-              <a:rPr lang="sv-SE" sz="2000" dirty="0">
-                <a:solidFill>
-                  <a:schemeClr val="tx1">
-                    <a:lumMod val="65000"/>
-                    <a:lumOff val="35000"/>
-                  </a:schemeClr>
-                </a:solidFill>
-                <a:latin typeface="Gill Sans MT (Body)"/>
-                <a:cs typeface="Times New Roman" panose="02020603050405020304" pitchFamily="18" charset="0"/>
-              </a:rPr>
-              <a:t>Importera </a:t>
-            </a:r>
-            <a:r>
-              <a:rPr lang="sv-SE" sz="2000" dirty="0" err="1">
-                <a:solidFill>
-                  <a:schemeClr val="tx1">
-                    <a:lumMod val="65000"/>
-                    <a:lumOff val="35000"/>
-                  </a:schemeClr>
-                </a:solidFill>
-                <a:latin typeface="Gill Sans MT (Body)"/>
-                <a:cs typeface="Times New Roman" panose="02020603050405020304" pitchFamily="18" charset="0"/>
-              </a:rPr>
-              <a:t>createRouter</a:t>
-            </a:r>
-            <a:r>
-              <a:rPr lang="sv-SE" sz="2000" dirty="0">
-                <a:solidFill>
-                  <a:schemeClr val="tx1">
-                    <a:lumMod val="65000"/>
-                    <a:lumOff val="35000"/>
-                  </a:schemeClr>
-                </a:solidFill>
-                <a:latin typeface="Gill Sans MT (Body)"/>
-                <a:cs typeface="Times New Roman" panose="02020603050405020304" pitchFamily="18" charset="0"/>
-              </a:rPr>
-              <a:t> och </a:t>
-            </a:r>
-            <a:r>
-              <a:rPr lang="sv-SE" sz="2000" dirty="0" err="1">
-                <a:solidFill>
-                  <a:schemeClr val="tx1">
-                    <a:lumMod val="65000"/>
-                    <a:lumOff val="35000"/>
-                  </a:schemeClr>
-                </a:solidFill>
-                <a:latin typeface="Gill Sans MT (Body)"/>
-                <a:cs typeface="Times New Roman" panose="02020603050405020304" pitchFamily="18" charset="0"/>
-              </a:rPr>
-              <a:t>createWebHasHistory</a:t>
-            </a:r>
-            <a:r>
-              <a:rPr lang="sv-SE" sz="2000" dirty="0">
-                <a:solidFill>
-                  <a:schemeClr val="tx1">
-                    <a:lumMod val="65000"/>
-                    <a:lumOff val="35000"/>
-                  </a:schemeClr>
-                </a:solidFill>
-                <a:latin typeface="Gill Sans MT (Body)"/>
-                <a:cs typeface="Times New Roman" panose="02020603050405020304" pitchFamily="18" charset="0"/>
-              </a:rPr>
-              <a:t> från </a:t>
-            </a:r>
-            <a:r>
-              <a:rPr lang="sv-SE" sz="2000" dirty="0" err="1">
-                <a:solidFill>
-                  <a:schemeClr val="tx1">
-                    <a:lumMod val="65000"/>
-                    <a:lumOff val="35000"/>
-                  </a:schemeClr>
-                </a:solidFill>
-                <a:latin typeface="Gill Sans MT (Body)"/>
-                <a:cs typeface="Times New Roman" panose="02020603050405020304" pitchFamily="18" charset="0"/>
-              </a:rPr>
-              <a:t>vue</a:t>
-            </a:r>
-            <a:r>
-              <a:rPr lang="sv-SE" sz="2000" dirty="0">
-                <a:solidFill>
-                  <a:schemeClr val="tx1">
-                    <a:lumMod val="65000"/>
-                    <a:lumOff val="35000"/>
-                  </a:schemeClr>
-                </a:solidFill>
-                <a:latin typeface="Gill Sans MT (Body)"/>
-                <a:cs typeface="Times New Roman" panose="02020603050405020304" pitchFamily="18" charset="0"/>
-              </a:rPr>
-              <a:t>-router.</a:t>
-            </a:r>
-          </a:p>
-          <a:p>
-            <a:pPr marL="457200" indent="-457200">
-              <a:buFont typeface="+mj-lt"/>
-              <a:buAutoNum type="arabicPeriod"/>
-            </a:pPr>
-            <a:endParaRPr lang="sv-SE" sz="2000" dirty="0">
-              <a:solidFill>
-                <a:schemeClr val="tx1">
-                  <a:lumMod val="65000"/>
-                  <a:lumOff val="35000"/>
-                </a:schemeClr>
-              </a:solidFill>
-              <a:latin typeface="Gill Sans MT (Body)"/>
-              <a:cs typeface="Times New Roman" panose="02020603050405020304" pitchFamily="18" charset="0"/>
-            </a:endParaRPr>
-          </a:p>
-          <a:p>
-            <a:pPr marL="457200" indent="-457200">
-              <a:buFont typeface="+mj-lt"/>
-              <a:buAutoNum type="arabicPeriod"/>
-            </a:pPr>
-            <a:endParaRPr lang="sv-SE" sz="2000" dirty="0">
-              <a:solidFill>
-                <a:schemeClr val="tx1">
-                  <a:lumMod val="65000"/>
-                  <a:lumOff val="35000"/>
-                </a:schemeClr>
-              </a:solidFill>
-              <a:latin typeface="Gill Sans MT (Body)"/>
-              <a:cs typeface="Times New Roman" panose="02020603050405020304" pitchFamily="18" charset="0"/>
-            </a:endParaRPr>
-          </a:p>
-          <a:p>
-            <a:pPr marL="457200" indent="-457200">
-              <a:buFont typeface="+mj-lt"/>
-              <a:buAutoNum type="arabicPeriod"/>
-            </a:pPr>
-            <a:r>
-              <a:rPr lang="sv-SE" sz="2000" dirty="0">
-                <a:solidFill>
-                  <a:schemeClr val="tx1">
-                    <a:lumMod val="65000"/>
-                    <a:lumOff val="35000"/>
-                  </a:schemeClr>
-                </a:solidFill>
-                <a:latin typeface="Gill Sans MT (Body)"/>
-                <a:cs typeface="Times New Roman" panose="02020603050405020304" pitchFamily="18" charset="0"/>
-              </a:rPr>
-              <a:t>Importera sidorna/komponenterna som du vill ha navigering till.</a:t>
-            </a:r>
-          </a:p>
-          <a:p>
-            <a:pPr marL="457200" indent="-457200">
-              <a:buFont typeface="+mj-lt"/>
-              <a:buAutoNum type="arabicPeriod"/>
-            </a:pPr>
-            <a:endParaRPr lang="sv-SE" sz="2000" dirty="0">
-              <a:solidFill>
-                <a:schemeClr val="tx1">
-                  <a:lumMod val="65000"/>
-                  <a:lumOff val="35000"/>
-                </a:schemeClr>
-              </a:solidFill>
-              <a:latin typeface="Gill Sans MT (Body)"/>
-              <a:cs typeface="Times New Roman" panose="02020603050405020304" pitchFamily="18" charset="0"/>
-            </a:endParaRPr>
-          </a:p>
-          <a:p>
-            <a:pPr marL="457200" indent="-457200">
-              <a:buFont typeface="+mj-lt"/>
-              <a:buAutoNum type="arabicPeriod"/>
-            </a:pPr>
-            <a:endParaRPr lang="sv-SE" sz="2000" dirty="0">
-              <a:solidFill>
-                <a:schemeClr val="tx1">
-                  <a:lumMod val="65000"/>
-                  <a:lumOff val="35000"/>
-                </a:schemeClr>
-              </a:solidFill>
-              <a:latin typeface="Gill Sans MT (Body)"/>
-              <a:cs typeface="Times New Roman" panose="02020603050405020304" pitchFamily="18" charset="0"/>
-            </a:endParaRPr>
-          </a:p>
-          <a:p>
-            <a:pPr marL="457200" indent="-457200">
-              <a:buFont typeface="+mj-lt"/>
-              <a:buAutoNum type="arabicPeriod"/>
-            </a:pPr>
-            <a:r>
-              <a:rPr lang="sv-SE" sz="2000" dirty="0">
-                <a:solidFill>
-                  <a:schemeClr val="tx1">
-                    <a:lumMod val="65000"/>
-                    <a:lumOff val="35000"/>
-                  </a:schemeClr>
-                </a:solidFill>
-                <a:latin typeface="Gill Sans MT (Body)"/>
-                <a:cs typeface="Times New Roman" panose="02020603050405020304" pitchFamily="18" charset="0"/>
-              </a:rPr>
-              <a:t>Skapa en router och ange </a:t>
-            </a:r>
-            <a:r>
-              <a:rPr lang="sv-SE" sz="2000" dirty="0" err="1">
-                <a:solidFill>
-                  <a:schemeClr val="tx1">
-                    <a:lumMod val="65000"/>
-                    <a:lumOff val="35000"/>
-                  </a:schemeClr>
-                </a:solidFill>
-                <a:latin typeface="Gill Sans MT (Body)"/>
-                <a:cs typeface="Times New Roman" panose="02020603050405020304" pitchFamily="18" charset="0"/>
-              </a:rPr>
-              <a:t>path</a:t>
-            </a:r>
-            <a:r>
-              <a:rPr lang="sv-SE" sz="2000" dirty="0">
-                <a:solidFill>
-                  <a:schemeClr val="tx1">
-                    <a:lumMod val="65000"/>
-                    <a:lumOff val="35000"/>
-                  </a:schemeClr>
-                </a:solidFill>
-                <a:latin typeface="Gill Sans MT (Body)"/>
-                <a:cs typeface="Times New Roman" panose="02020603050405020304" pitchFamily="18" charset="0"/>
-              </a:rPr>
-              <a:t>/</a:t>
-            </a:r>
-            <a:r>
-              <a:rPr lang="sv-SE" sz="2000" dirty="0" err="1">
-                <a:solidFill>
-                  <a:schemeClr val="tx1">
-                    <a:lumMod val="65000"/>
-                    <a:lumOff val="35000"/>
-                  </a:schemeClr>
-                </a:solidFill>
-                <a:latin typeface="Gill Sans MT (Body)"/>
-                <a:cs typeface="Times New Roman" panose="02020603050405020304" pitchFamily="18" charset="0"/>
-              </a:rPr>
-              <a:t>url</a:t>
-            </a:r>
-            <a:r>
-              <a:rPr lang="sv-SE" sz="2000" dirty="0">
-                <a:solidFill>
-                  <a:schemeClr val="tx1">
-                    <a:lumMod val="65000"/>
-                    <a:lumOff val="35000"/>
-                  </a:schemeClr>
-                </a:solidFill>
-                <a:latin typeface="Gill Sans MT (Body)"/>
-                <a:cs typeface="Times New Roman" panose="02020603050405020304" pitchFamily="18" charset="0"/>
-              </a:rPr>
-              <a:t>/navigeringen till sidan/komponenten.</a:t>
-            </a:r>
-          </a:p>
-          <a:p>
-            <a:pPr marL="457200" indent="-457200">
-              <a:buFont typeface="+mj-lt"/>
-              <a:buAutoNum type="arabicPeriod"/>
-            </a:pPr>
-            <a:endParaRPr lang="sv-SE" sz="2000" dirty="0">
-              <a:solidFill>
-                <a:schemeClr val="tx1">
-                  <a:lumMod val="65000"/>
-                  <a:lumOff val="35000"/>
-                </a:schemeClr>
-              </a:solidFill>
-              <a:latin typeface="Gill Sans MT (Body)"/>
-              <a:cs typeface="Times New Roman" panose="02020603050405020304" pitchFamily="18" charset="0"/>
-            </a:endParaRPr>
-          </a:p>
-          <a:p>
-            <a:pPr marL="457200" indent="-457200">
-              <a:buFont typeface="+mj-lt"/>
-              <a:buAutoNum type="arabicPeriod"/>
-            </a:pPr>
-            <a:r>
-              <a:rPr lang="sv-SE" sz="2000" dirty="0">
-                <a:solidFill>
-                  <a:schemeClr val="tx1">
-                    <a:lumMod val="65000"/>
-                    <a:lumOff val="35000"/>
-                  </a:schemeClr>
-                </a:solidFill>
-                <a:latin typeface="Gill Sans MT (Body)"/>
-                <a:cs typeface="Times New Roman" panose="02020603050405020304" pitchFamily="18" charset="0"/>
-              </a:rPr>
-              <a:t>Skapa routern enligt följande bilden</a:t>
-            </a:r>
-          </a:p>
-          <a:p>
-            <a:pPr marL="457200" indent="-457200">
-              <a:buFont typeface="+mj-lt"/>
-              <a:buAutoNum type="arabicPeriod"/>
-            </a:pPr>
-            <a:endParaRPr lang="sv-SE" sz="2000" dirty="0">
-              <a:solidFill>
-                <a:schemeClr val="tx1">
-                  <a:lumMod val="65000"/>
-                  <a:lumOff val="35000"/>
-                </a:schemeClr>
-              </a:solidFill>
-              <a:latin typeface="Gill Sans MT (Body)"/>
-              <a:cs typeface="Times New Roman" panose="02020603050405020304" pitchFamily="18" charset="0"/>
-            </a:endParaRPr>
-          </a:p>
-          <a:p>
-            <a:pPr marL="457200" indent="-457200">
-              <a:buFont typeface="+mj-lt"/>
-              <a:buAutoNum type="arabicPeriod"/>
-            </a:pPr>
-            <a:endParaRPr lang="sv-SE" sz="2000" dirty="0">
-              <a:solidFill>
-                <a:schemeClr val="tx1">
-                  <a:lumMod val="65000"/>
-                  <a:lumOff val="35000"/>
-                </a:schemeClr>
-              </a:solidFill>
-              <a:latin typeface="Gill Sans MT (Body)"/>
-              <a:cs typeface="Times New Roman" panose="02020603050405020304" pitchFamily="18" charset="0"/>
-            </a:endParaRPr>
-          </a:p>
-          <a:p>
-            <a:pPr marL="457200" indent="-457200">
-              <a:buFont typeface="+mj-lt"/>
-              <a:buAutoNum type="arabicPeriod"/>
-            </a:pPr>
-            <a:r>
-              <a:rPr lang="sv-SE" sz="2000" dirty="0">
-                <a:solidFill>
-                  <a:schemeClr val="tx1">
-                    <a:lumMod val="65000"/>
-                    <a:lumOff val="35000"/>
-                  </a:schemeClr>
-                </a:solidFill>
-                <a:latin typeface="Gill Sans MT (Body)"/>
-                <a:cs typeface="Times New Roman" panose="02020603050405020304" pitchFamily="18" charset="0"/>
-              </a:rPr>
-              <a:t>Tilldela  </a:t>
-            </a:r>
-            <a:r>
-              <a:rPr lang="sv-SE" sz="2000" dirty="0" err="1">
-                <a:solidFill>
-                  <a:schemeClr val="tx1">
-                    <a:lumMod val="65000"/>
-                    <a:lumOff val="35000"/>
-                  </a:schemeClr>
-                </a:solidFill>
-                <a:latin typeface="Gill Sans MT (Body)"/>
-                <a:cs typeface="Times New Roman" panose="02020603050405020304" pitchFamily="18" charset="0"/>
-              </a:rPr>
-              <a:t>Vue</a:t>
-            </a:r>
-            <a:r>
-              <a:rPr lang="sv-SE" sz="2000" dirty="0">
-                <a:solidFill>
-                  <a:schemeClr val="tx1">
-                    <a:lumMod val="65000"/>
-                    <a:lumOff val="35000"/>
-                  </a:schemeClr>
-                </a:solidFill>
-                <a:latin typeface="Gill Sans MT (Body)"/>
-                <a:cs typeface="Times New Roman" panose="02020603050405020304" pitchFamily="18" charset="0"/>
-              </a:rPr>
-              <a:t> den skapade routern genom </a:t>
-            </a:r>
-            <a:r>
-              <a:rPr lang="sv-SE" sz="2000" dirty="0" err="1">
-                <a:solidFill>
-                  <a:schemeClr val="tx1">
-                    <a:lumMod val="65000"/>
-                    <a:lumOff val="35000"/>
-                  </a:schemeClr>
-                </a:solidFill>
-                <a:latin typeface="Gill Sans MT (Body)"/>
-                <a:cs typeface="Times New Roman" panose="02020603050405020304" pitchFamily="18" charset="0"/>
-              </a:rPr>
-              <a:t>use</a:t>
-            </a:r>
-            <a:r>
-              <a:rPr lang="sv-SE" sz="2000" dirty="0">
-                <a:solidFill>
-                  <a:schemeClr val="tx1">
-                    <a:lumMod val="65000"/>
-                    <a:lumOff val="35000"/>
-                  </a:schemeClr>
-                </a:solidFill>
-                <a:latin typeface="Gill Sans MT (Body)"/>
-                <a:cs typeface="Times New Roman" panose="02020603050405020304" pitchFamily="18" charset="0"/>
-              </a:rPr>
-              <a:t>(router) enligt bilden.</a:t>
-            </a:r>
-          </a:p>
-          <a:p>
-            <a:pPr marL="457200" indent="-457200">
-              <a:buFont typeface="+mj-lt"/>
-              <a:buAutoNum type="arabicPeriod"/>
-            </a:pPr>
-            <a:endParaRPr lang="sv-SE" sz="2000" dirty="0">
-              <a:solidFill>
-                <a:schemeClr val="tx1">
-                  <a:lumMod val="65000"/>
-                  <a:lumOff val="35000"/>
-                </a:schemeClr>
-              </a:solidFill>
-              <a:latin typeface="Gill Sans MT (Body)"/>
-              <a:cs typeface="Times New Roman" panose="02020603050405020304" pitchFamily="18" charset="0"/>
-            </a:endParaRPr>
+            <a:pPr algn="ctr"/>
+            <a:endParaRPr lang="en-SE"/>
           </a:p>
         </p:txBody>
       </p:sp>
       <p:sp>
         <p:nvSpPr>
-          <p:cNvPr id="22" name="Right Brace 21">
+          <p:cNvPr id="24" name="Right Brace 23">
             <a:extLst>
               <a:ext uri="{FF2B5EF4-FFF2-40B4-BE49-F238E27FC236}">
-                <a16:creationId xmlns:a16="http://schemas.microsoft.com/office/drawing/2014/main" id="{54F10AFB-28FA-459C-A266-716FFB3A9B03}"/>
+                <a16:creationId xmlns:a16="http://schemas.microsoft.com/office/drawing/2014/main" id="{5D9B506E-887A-4FD3-8F79-E05EF8A82C2E}"/>
               </a:ext>
             </a:extLst>
           </p:cNvPr>
@@ -10382,8 +9825,8 @@
         </p:nvSpPr>
         <p:spPr>
           <a:xfrm>
-            <a:off x="5397111" y="2266838"/>
-            <a:ext cx="402672" cy="897622"/>
+            <a:off x="9448074" y="4805604"/>
+            <a:ext cx="223260" cy="405248"/>
           </a:xfrm>
           <a:prstGeom prst="rightBrace">
             <a:avLst/>
@@ -10412,188 +9855,12 @@
           </a:p>
         </p:txBody>
       </p:sp>
-      <p:sp>
-        <p:nvSpPr>
-          <p:cNvPr id="23" name="Right Brace 22">
+      <p:cxnSp>
+        <p:nvCxnSpPr>
+          <p:cNvPr id="35" name="Straight Arrow Connector 34">
             <a:extLst>
               <a:ext uri="{FF2B5EF4-FFF2-40B4-BE49-F238E27FC236}">
-                <a16:creationId xmlns:a16="http://schemas.microsoft.com/office/drawing/2014/main" id="{6CCB392E-2245-4D7B-B15E-660315B67E00}"/>
-              </a:ext>
-            </a:extLst>
-          </p:cNvPr>
-          <p:cNvSpPr/>
-          <p:nvPr/>
-        </p:nvSpPr>
-        <p:spPr>
-          <a:xfrm>
-            <a:off x="4894975" y="3406871"/>
-            <a:ext cx="528507" cy="1178129"/>
-          </a:xfrm>
-          <a:prstGeom prst="rightBrace">
-            <a:avLst/>
-          </a:prstGeom>
-        </p:spPr>
-        <p:style>
-          <a:lnRef idx="1">
-            <a:schemeClr val="accent1"/>
-          </a:lnRef>
-          <a:fillRef idx="0">
-            <a:schemeClr val="accent1"/>
-          </a:fillRef>
-          <a:effectRef idx="0">
-            <a:schemeClr val="accent1"/>
-          </a:effectRef>
-          <a:fontRef idx="minor">
-            <a:schemeClr val="tx1"/>
-          </a:fontRef>
-        </p:style>
-        <p:txBody>
-          <a:bodyPr rtlCol="0" anchor="ctr"/>
-          <a:lstStyle/>
-          <a:p>
-            <a:pPr algn="ctr"/>
-            <a:endParaRPr lang="en-SE"/>
-          </a:p>
-        </p:txBody>
-      </p:sp>
-      <p:sp>
-        <p:nvSpPr>
-          <p:cNvPr id="24" name="Right Brace 23">
-            <a:extLst>
-              <a:ext uri="{FF2B5EF4-FFF2-40B4-BE49-F238E27FC236}">
-                <a16:creationId xmlns:a16="http://schemas.microsoft.com/office/drawing/2014/main" id="{5D9B506E-887A-4FD3-8F79-E05EF8A82C2E}"/>
-              </a:ext>
-            </a:extLst>
-          </p:cNvPr>
-          <p:cNvSpPr/>
-          <p:nvPr/>
-        </p:nvSpPr>
-        <p:spPr>
-          <a:xfrm>
-            <a:off x="4217309" y="5874204"/>
-            <a:ext cx="223260" cy="497683"/>
-          </a:xfrm>
-          <a:prstGeom prst="rightBrace">
-            <a:avLst/>
-          </a:prstGeom>
-        </p:spPr>
-        <p:style>
-          <a:lnRef idx="1">
-            <a:schemeClr val="accent1"/>
-          </a:lnRef>
-          <a:fillRef idx="0">
-            <a:schemeClr val="accent1"/>
-          </a:fillRef>
-          <a:effectRef idx="0">
-            <a:schemeClr val="accent1"/>
-          </a:effectRef>
-          <a:fontRef idx="minor">
-            <a:schemeClr val="tx1"/>
-          </a:fontRef>
-        </p:style>
-        <p:txBody>
-          <a:bodyPr rtlCol="0" anchor="ctr"/>
-          <a:lstStyle/>
-          <a:p>
-            <a:pPr algn="ctr"/>
-            <a:endParaRPr lang="en-SE"/>
-          </a:p>
-        </p:txBody>
-      </p:sp>
-      <p:sp>
-        <p:nvSpPr>
-          <p:cNvPr id="25" name="Right Brace 24">
-            <a:extLst>
-              <a:ext uri="{FF2B5EF4-FFF2-40B4-BE49-F238E27FC236}">
-                <a16:creationId xmlns:a16="http://schemas.microsoft.com/office/drawing/2014/main" id="{86E73463-C698-4505-8A08-98EAC09A9FC4}"/>
-              </a:ext>
-            </a:extLst>
-          </p:cNvPr>
-          <p:cNvSpPr/>
-          <p:nvPr/>
-        </p:nvSpPr>
-        <p:spPr>
-          <a:xfrm>
-            <a:off x="4084720" y="1369273"/>
-            <a:ext cx="342105" cy="762608"/>
-          </a:xfrm>
-          <a:prstGeom prst="rightBrace">
-            <a:avLst/>
-          </a:prstGeom>
-        </p:spPr>
-        <p:style>
-          <a:lnRef idx="1">
-            <a:schemeClr val="accent1"/>
-          </a:lnRef>
-          <a:fillRef idx="0">
-            <a:schemeClr val="accent1"/>
-          </a:fillRef>
-          <a:effectRef idx="0">
-            <a:schemeClr val="accent1"/>
-          </a:effectRef>
-          <a:fontRef idx="minor">
-            <a:schemeClr val="tx1"/>
-          </a:fontRef>
-        </p:style>
-        <p:txBody>
-          <a:bodyPr rtlCol="0" anchor="ctr"/>
-          <a:lstStyle/>
-          <a:p>
-            <a:pPr algn="ctr"/>
-            <a:endParaRPr lang="en-SE"/>
-          </a:p>
-        </p:txBody>
-      </p:sp>
-      <p:sp>
-        <p:nvSpPr>
-          <p:cNvPr id="26" name="TextBox 25">
-            <a:extLst>
-              <a:ext uri="{FF2B5EF4-FFF2-40B4-BE49-F238E27FC236}">
-                <a16:creationId xmlns:a16="http://schemas.microsoft.com/office/drawing/2014/main" id="{2831A729-B6A3-4E59-9E27-805CAB17789F}"/>
-              </a:ext>
-            </a:extLst>
-          </p:cNvPr>
-          <p:cNvSpPr txBox="1"/>
-          <p:nvPr/>
-        </p:nvSpPr>
-        <p:spPr>
-          <a:xfrm>
-            <a:off x="4871415" y="915311"/>
-            <a:ext cx="817853" cy="369332"/>
-          </a:xfrm>
-          <a:prstGeom prst="rect">
-            <a:avLst/>
-          </a:prstGeom>
-          <a:noFill/>
-        </p:spPr>
-        <p:txBody>
-          <a:bodyPr wrap="none" rtlCol="0">
-            <a:spAutoFit/>
-          </a:bodyPr>
-          <a:lstStyle/>
-          <a:p>
-            <a:r>
-              <a:rPr lang="en-US" dirty="0">
-                <a:solidFill>
-                  <a:srgbClr val="FFC000"/>
-                </a:solidFill>
-              </a:rPr>
-              <a:t>main.js</a:t>
-            </a:r>
-            <a:endParaRPr lang="en-SE" dirty="0">
-              <a:solidFill>
-                <a:srgbClr val="FFC000"/>
-              </a:solidFill>
-            </a:endParaRPr>
-          </a:p>
-        </p:txBody>
-      </p:sp>
-      <p:cxnSp>
-        <p:nvCxnSpPr>
-          <p:cNvPr id="28" name="Straight Arrow Connector 27">
-            <a:extLst>
-              <a:ext uri="{FF2B5EF4-FFF2-40B4-BE49-F238E27FC236}">
-                <a16:creationId xmlns:a16="http://schemas.microsoft.com/office/drawing/2014/main" id="{85850D84-36BA-4D83-973A-126F469D9187}"/>
+                <a16:creationId xmlns:a16="http://schemas.microsoft.com/office/drawing/2014/main" id="{409CF2C4-9803-4D2E-AA6D-10A982CB6D5F}"/>
               </a:ext>
             </a:extLst>
           </p:cNvPr>
@@ -10603,50 +9870,9 @@
           <p:nvPr/>
         </p:nvCxnSpPr>
         <p:spPr>
-          <a:xfrm flipV="1">
-            <a:off x="4511180" y="1311704"/>
-            <a:ext cx="1921080" cy="458070"/>
-          </a:xfrm>
-          <a:prstGeom prst="straightConnector1">
-            <a:avLst/>
-          </a:prstGeom>
-          <a:ln w="12700">
-            <a:tailEnd type="triangle"/>
-          </a:ln>
-        </p:spPr>
-        <p:style>
-          <a:lnRef idx="1">
-            <a:schemeClr val="accent1"/>
-          </a:lnRef>
-          <a:fillRef idx="0">
-            <a:schemeClr val="accent1"/>
-          </a:fillRef>
-          <a:effectRef idx="0">
-            <a:schemeClr val="accent1"/>
-          </a:effectRef>
-          <a:fontRef idx="minor">
-            <a:schemeClr val="tx1"/>
-          </a:fontRef>
-        </p:style>
-      </p:cxnSp>
-      <p:cxnSp>
-        <p:nvCxnSpPr>
-          <p:cNvPr id="31" name="Straight Arrow Connector 30">
-            <a:extLst>
-              <a:ext uri="{FF2B5EF4-FFF2-40B4-BE49-F238E27FC236}">
-                <a16:creationId xmlns:a16="http://schemas.microsoft.com/office/drawing/2014/main" id="{03A7FD9F-B4F3-4883-A7A4-77EADDA0DE42}"/>
-              </a:ext>
-            </a:extLst>
-          </p:cNvPr>
-          <p:cNvCxnSpPr>
-            <a:cxnSpLocks/>
-          </p:cNvCxnSpPr>
-          <p:nvPr/>
-        </p:nvCxnSpPr>
-        <p:spPr>
-          <a:xfrm flipV="1">
-            <a:off x="5845922" y="2591876"/>
-            <a:ext cx="639613" cy="123773"/>
+          <a:xfrm flipH="1">
+            <a:off x="9798341" y="2164360"/>
+            <a:ext cx="813732" cy="2843868"/>
           </a:xfrm>
           <a:prstGeom prst="straightConnector1">
             <a:avLst/>
@@ -10685,50 +9911,9 @@
           <p:nvPr/>
         </p:nvCxnSpPr>
         <p:spPr>
-          <a:xfrm flipV="1">
-            <a:off x="5528345" y="3835436"/>
-            <a:ext cx="880845" cy="165902"/>
-          </a:xfrm>
-          <a:prstGeom prst="straightConnector1">
-            <a:avLst/>
-          </a:prstGeom>
-          <a:ln w="12700">
-            <a:tailEnd type="triangle"/>
-          </a:ln>
-        </p:spPr>
-        <p:style>
-          <a:lnRef idx="1">
-            <a:schemeClr val="accent1"/>
-          </a:lnRef>
-          <a:fillRef idx="0">
-            <a:schemeClr val="accent1"/>
-          </a:fillRef>
-          <a:effectRef idx="0">
-            <a:schemeClr val="accent1"/>
-          </a:effectRef>
-          <a:fontRef idx="minor">
-            <a:schemeClr val="tx1"/>
-          </a:fontRef>
-        </p:style>
-      </p:cxnSp>
-      <p:cxnSp>
-        <p:nvCxnSpPr>
-          <p:cNvPr id="35" name="Straight Arrow Connector 34">
-            <a:extLst>
-              <a:ext uri="{FF2B5EF4-FFF2-40B4-BE49-F238E27FC236}">
-                <a16:creationId xmlns:a16="http://schemas.microsoft.com/office/drawing/2014/main" id="{409CF2C4-9803-4D2E-AA6D-10A982CB6D5F}"/>
-              </a:ext>
-            </a:extLst>
-          </p:cNvPr>
-          <p:cNvCxnSpPr>
-            <a:cxnSpLocks/>
-          </p:cNvCxnSpPr>
-          <p:nvPr/>
-        </p:nvCxnSpPr>
-        <p:spPr>
-          <a:xfrm flipV="1">
-            <a:off x="4664279" y="5673247"/>
-            <a:ext cx="1744911" cy="393753"/>
+          <a:xfrm flipH="1">
+            <a:off x="8625001" y="1225735"/>
+            <a:ext cx="1173340" cy="2851315"/>
           </a:xfrm>
           <a:prstGeom prst="straightConnector1">
             <a:avLst/>
@@ -10754,10 +9939,324 @@
       </p:cxnSp>
       <p:sp>
         <p:nvSpPr>
-          <p:cNvPr id="17" name="Right Brace 16">
+          <p:cNvPr id="9" name="TextBox 8">
             <a:extLst>
               <a:ext uri="{FF2B5EF4-FFF2-40B4-BE49-F238E27FC236}">
-                <a16:creationId xmlns:a16="http://schemas.microsoft.com/office/drawing/2014/main" id="{E5ADC099-BA43-48BC-91C6-20C77668D3A1}"/>
+                <a16:creationId xmlns:a16="http://schemas.microsoft.com/office/drawing/2014/main" id="{A0F36595-4FB7-F69D-09DE-A753281B36EB}"/>
+              </a:ext>
+            </a:extLst>
+          </p:cNvPr>
+          <p:cNvSpPr txBox="1"/>
+          <p:nvPr/>
+        </p:nvSpPr>
+        <p:spPr>
+          <a:xfrm>
+            <a:off x="1195045" y="959759"/>
+            <a:ext cx="8883941" cy="1477328"/>
+          </a:xfrm>
+          <a:prstGeom prst="rect">
+            <a:avLst/>
+          </a:prstGeom>
+          <a:noFill/>
+        </p:spPr>
+        <p:txBody>
+          <a:bodyPr wrap="square" rtlCol="0">
+            <a:spAutoFit/>
+          </a:bodyPr>
+          <a:lstStyle/>
+          <a:p>
+            <a:pPr marL="342900" indent="-342900">
+              <a:buFont typeface="+mj-lt"/>
+              <a:buAutoNum type="arabicPeriod"/>
+            </a:pPr>
+            <a:r>
+              <a:rPr lang="sv-SE" dirty="0"/>
+              <a:t>Vill man sedan navigera från en sida till en annan använder man </a:t>
+            </a:r>
+            <a:r>
+              <a:rPr lang="sv-SE" dirty="0">
+                <a:solidFill>
+                  <a:schemeClr val="tx2">
+                    <a:lumMod val="75000"/>
+                    <a:lumOff val="25000"/>
+                  </a:schemeClr>
+                </a:solidFill>
+              </a:rPr>
+              <a:t>router-</a:t>
+            </a:r>
+            <a:r>
+              <a:rPr lang="sv-SE" dirty="0" err="1">
+                <a:solidFill>
+                  <a:schemeClr val="tx2">
+                    <a:lumMod val="75000"/>
+                    <a:lumOff val="25000"/>
+                  </a:schemeClr>
+                </a:solidFill>
+              </a:rPr>
+              <a:t>link</a:t>
+            </a:r>
+            <a:r>
+              <a:rPr lang="sv-SE" dirty="0"/>
+              <a:t> taggen</a:t>
+            </a:r>
+          </a:p>
+          <a:p>
+            <a:pPr marL="800100" lvl="1" indent="-342900">
+              <a:buFont typeface="+mj-lt"/>
+              <a:buAutoNum type="arabicPeriod"/>
+            </a:pPr>
+            <a:r>
+              <a:rPr lang="sv-SE" dirty="0">
+                <a:solidFill>
+                  <a:schemeClr val="tx2">
+                    <a:lumMod val="75000"/>
+                    <a:lumOff val="25000"/>
+                  </a:schemeClr>
+                </a:solidFill>
+              </a:rPr>
+              <a:t>to</a:t>
+            </a:r>
+            <a:r>
+              <a:rPr lang="sv-SE" dirty="0"/>
+              <a:t> anger </a:t>
+            </a:r>
+            <a:r>
+              <a:rPr lang="sv-SE" dirty="0" err="1"/>
+              <a:t>pathen</a:t>
+            </a:r>
+            <a:r>
+              <a:rPr lang="sv-SE" dirty="0"/>
+              <a:t> till den sidan man vill navigera tex </a:t>
+            </a:r>
+            <a:r>
+              <a:rPr lang="sv-SE" dirty="0">
+                <a:solidFill>
+                  <a:schemeClr val="tx2">
+                    <a:lumMod val="75000"/>
+                    <a:lumOff val="25000"/>
+                  </a:schemeClr>
+                </a:solidFill>
+              </a:rPr>
+              <a:t>to=”kalle”</a:t>
+            </a:r>
+            <a:br>
+              <a:rPr lang="sv-SE" dirty="0"/>
+            </a:br>
+            <a:endParaRPr lang="sv-SE" dirty="0"/>
+          </a:p>
+          <a:p>
+            <a:pPr marL="342900" indent="-342900">
+              <a:buFont typeface="+mj-lt"/>
+              <a:buAutoNum type="arabicPeriod"/>
+            </a:pPr>
+            <a:r>
+              <a:rPr lang="sv-SE" dirty="0"/>
+              <a:t>I </a:t>
+            </a:r>
+            <a:r>
+              <a:rPr lang="sv-SE" dirty="0" err="1"/>
+              <a:t>Quasar</a:t>
+            </a:r>
+            <a:r>
+              <a:rPr lang="sv-SE" dirty="0"/>
+              <a:t> så har många komponenter navigering implementerat som tex q-</a:t>
+            </a:r>
+            <a:r>
+              <a:rPr lang="sv-SE" dirty="0" err="1"/>
+              <a:t>btn</a:t>
+            </a:r>
+            <a:r>
+              <a:rPr lang="sv-SE" dirty="0"/>
+              <a:t> eller q-item</a:t>
+            </a:r>
+          </a:p>
+          <a:p>
+            <a:pPr marL="800100" lvl="1" indent="-342900">
+              <a:buFont typeface="+mj-lt"/>
+              <a:buAutoNum type="arabicPeriod"/>
+            </a:pPr>
+            <a:r>
+              <a:rPr lang="sv-SE" dirty="0">
+                <a:solidFill>
+                  <a:schemeClr val="tx2">
+                    <a:lumMod val="75000"/>
+                    <a:lumOff val="25000"/>
+                  </a:schemeClr>
+                </a:solidFill>
+              </a:rPr>
+              <a:t>to</a:t>
+            </a:r>
+            <a:r>
+              <a:rPr lang="sv-SE" dirty="0"/>
+              <a:t> används där också</a:t>
+            </a:r>
+          </a:p>
+        </p:txBody>
+      </p:sp>
+      <p:pic>
+        <p:nvPicPr>
+          <p:cNvPr id="21" name="Picture 20">
+            <a:extLst>
+              <a:ext uri="{FF2B5EF4-FFF2-40B4-BE49-F238E27FC236}">
+                <a16:creationId xmlns:a16="http://schemas.microsoft.com/office/drawing/2014/main" id="{2DC6E33A-892E-0586-2BC3-995CB8A132A9}"/>
+              </a:ext>
+            </a:extLst>
+          </p:cNvPr>
+          <p:cNvPicPr>
+            <a:picLocks noChangeAspect="1"/>
+          </p:cNvPicPr>
+          <p:nvPr/>
+        </p:nvPicPr>
+        <p:blipFill>
+          <a:blip r:embed="rId3"/>
+          <a:stretch>
+            <a:fillRect/>
+          </a:stretch>
+        </p:blipFill>
+        <p:spPr>
+          <a:xfrm>
+            <a:off x="9559704" y="5181600"/>
+            <a:ext cx="2324100" cy="1676400"/>
+          </a:xfrm>
+          <a:prstGeom prst="rect">
+            <a:avLst/>
+          </a:prstGeom>
+        </p:spPr>
+      </p:pic>
+    </p:spTree>
+    <p:extLst>
+      <p:ext uri="{BB962C8B-B14F-4D97-AF65-F5344CB8AC3E}">
+        <p14:creationId xmlns:p14="http://schemas.microsoft.com/office/powerpoint/2010/main" val="879214860"/>
+      </p:ext>
+    </p:extLst>
+  </p:cSld>
+  <p:clrMapOvr>
+    <a:masterClrMapping/>
+  </p:clrMapOvr>
+</p:sld>
+</file>
+
+<file path=ppt/slides/slide6.xml><?xml version="1.0" encoding="utf-8"?>
+<p:sld xmlns:a="http://schemas.openxmlformats.org/drawingml/2006/main" xmlns:r="http://schemas.openxmlformats.org/officeDocument/2006/relationships" xmlns:p="http://schemas.openxmlformats.org/presentationml/2006/main">
+  <p:cSld>
+    <p:spTree>
+      <p:nvGrpSpPr>
+        <p:cNvPr id="1" name=""/>
+        <p:cNvGrpSpPr/>
+        <p:nvPr/>
+      </p:nvGrpSpPr>
+      <p:grpSpPr>
+        <a:xfrm>
+          <a:off x="0" y="0"/>
+          <a:ext cx="0" cy="0"/>
+          <a:chOff x="0" y="0"/>
+          <a:chExt cx="0" cy="0"/>
+        </a:xfrm>
+      </p:grpSpPr>
+      <p:pic>
+        <p:nvPicPr>
+          <p:cNvPr id="5" name="Picture 4">
+            <a:extLst>
+              <a:ext uri="{FF2B5EF4-FFF2-40B4-BE49-F238E27FC236}">
+                <a16:creationId xmlns:a16="http://schemas.microsoft.com/office/drawing/2014/main" id="{2522F72C-7B21-730F-8858-D2C5068AD65A}"/>
+              </a:ext>
+            </a:extLst>
+          </p:cNvPr>
+          <p:cNvPicPr>
+            <a:picLocks noChangeAspect="1"/>
+          </p:cNvPicPr>
+          <p:nvPr/>
+        </p:nvPicPr>
+        <p:blipFill>
+          <a:blip r:embed="rId2"/>
+          <a:stretch>
+            <a:fillRect/>
+          </a:stretch>
+        </p:blipFill>
+        <p:spPr>
+          <a:xfrm>
+            <a:off x="1715431" y="2160088"/>
+            <a:ext cx="5892480" cy="4667981"/>
+          </a:xfrm>
+          <a:prstGeom prst="rect">
+            <a:avLst/>
+          </a:prstGeom>
+        </p:spPr>
+      </p:pic>
+      <p:sp>
+        <p:nvSpPr>
+          <p:cNvPr id="2" name="Title 1">
+            <a:extLst>
+              <a:ext uri="{FF2B5EF4-FFF2-40B4-BE49-F238E27FC236}">
+                <a16:creationId xmlns:a16="http://schemas.microsoft.com/office/drawing/2014/main" id="{8EDAE078-3CB3-4D1F-8E4E-75C6D5DA8D1A}"/>
+              </a:ext>
+            </a:extLst>
+          </p:cNvPr>
+          <p:cNvSpPr>
+            <a:spLocks noGrp="1"/>
+          </p:cNvSpPr>
+          <p:nvPr>
+            <p:ph type="title"/>
+          </p:nvPr>
+        </p:nvSpPr>
+        <p:spPr>
+          <a:xfrm>
+            <a:off x="649013" y="279985"/>
+            <a:ext cx="10893973" cy="596023"/>
+          </a:xfrm>
+        </p:spPr>
+        <p:txBody>
+          <a:bodyPr>
+            <a:normAutofit fontScale="90000"/>
+          </a:bodyPr>
+          <a:lstStyle/>
+          <a:p>
+            <a:pPr algn="ctr"/>
+            <a:r>
+              <a:rPr lang="en-US" sz="4000" dirty="0" err="1">
+                <a:latin typeface="Gill Sans MT (Body)"/>
+              </a:rPr>
+              <a:t>Navigera</a:t>
+            </a:r>
+            <a:r>
+              <a:rPr lang="en-US" sz="4000" dirty="0">
+                <a:latin typeface="Gill Sans MT (Body)"/>
+              </a:rPr>
+              <a:t> </a:t>
+            </a:r>
+            <a:r>
+              <a:rPr lang="en-US" sz="4000" dirty="0" err="1">
+                <a:latin typeface="Gill Sans MT (Body)"/>
+              </a:rPr>
+              <a:t>från</a:t>
+            </a:r>
+            <a:r>
+              <a:rPr lang="en-US" sz="4000" dirty="0">
+                <a:latin typeface="Gill Sans MT (Body)"/>
+              </a:rPr>
+              <a:t> </a:t>
+            </a:r>
+            <a:r>
+              <a:rPr lang="en-US" sz="4000" dirty="0" err="1">
+                <a:latin typeface="Gill Sans MT (Body)"/>
+              </a:rPr>
+              <a:t>javascript</a:t>
+            </a:r>
+            <a:r>
+              <a:rPr lang="en-US" sz="4000" dirty="0">
+                <a:latin typeface="Gill Sans MT (Body)"/>
+              </a:rPr>
+              <a:t> script</a:t>
+            </a:r>
+          </a:p>
+        </p:txBody>
+      </p:sp>
+      <p:sp>
+        <p:nvSpPr>
+          <p:cNvPr id="25" name="Right Brace 24">
+            <a:extLst>
+              <a:ext uri="{FF2B5EF4-FFF2-40B4-BE49-F238E27FC236}">
+                <a16:creationId xmlns:a16="http://schemas.microsoft.com/office/drawing/2014/main" id="{86E73463-C698-4505-8A08-98EAC09A9FC4}"/>
               </a:ext>
             </a:extLst>
           </p:cNvPr>
@@ -10766,11 +10265,14 @@
         </p:nvSpPr>
         <p:spPr>
           <a:xfrm>
-            <a:off x="3952130" y="4839708"/>
-            <a:ext cx="265179" cy="591128"/>
+            <a:off x="6937695" y="4004600"/>
+            <a:ext cx="234892" cy="463505"/>
           </a:xfrm>
           <a:prstGeom prst="rightBrace">
-            <a:avLst/>
+            <a:avLst>
+              <a:gd name="adj1" fmla="val 15690"/>
+              <a:gd name="adj2" fmla="val 50000"/>
+            </a:avLst>
           </a:prstGeom>
         </p:spPr>
         <p:style>
@@ -10796,51 +10298,346 @@
           </a:p>
         </p:txBody>
       </p:sp>
-      <p:cxnSp>
-        <p:nvCxnSpPr>
-          <p:cNvPr id="18" name="Straight Arrow Connector 17">
+      <p:sp>
+        <p:nvSpPr>
+          <p:cNvPr id="9" name="TextBox 8">
             <a:extLst>
               <a:ext uri="{FF2B5EF4-FFF2-40B4-BE49-F238E27FC236}">
-                <a16:creationId xmlns:a16="http://schemas.microsoft.com/office/drawing/2014/main" id="{7C1316AE-8F3C-4AB8-8A85-64B2A6066CF7}"/>
+                <a16:creationId xmlns:a16="http://schemas.microsoft.com/office/drawing/2014/main" id="{A0F36595-4FB7-F69D-09DE-A753281B36EB}"/>
               </a:ext>
             </a:extLst>
           </p:cNvPr>
-          <p:cNvCxnSpPr>
-            <a:cxnSpLocks/>
-          </p:cNvCxnSpPr>
+          <p:cNvSpPr txBox="1"/>
           <p:nvPr/>
-        </p:nvCxnSpPr>
+        </p:nvSpPr>
         <p:spPr>
-          <a:xfrm flipV="1">
-            <a:off x="4426825" y="4733059"/>
-            <a:ext cx="1923641" cy="388066"/>
+          <a:xfrm>
+            <a:off x="1195045" y="959759"/>
+            <a:ext cx="8883941" cy="1200329"/>
           </a:xfrm>
-          <a:prstGeom prst="straightConnector1">
+          <a:prstGeom prst="rect">
             <a:avLst/>
           </a:prstGeom>
-          <a:ln w="12700">
-            <a:tailEnd type="triangle"/>
-          </a:ln>
+          <a:noFill/>
         </p:spPr>
-        <p:style>
-          <a:lnRef idx="1">
-            <a:schemeClr val="accent1"/>
-          </a:lnRef>
-          <a:fillRef idx="0">
-            <a:schemeClr val="accent1"/>
-          </a:fillRef>
-          <a:effectRef idx="0">
-            <a:schemeClr val="accent1"/>
-          </a:effectRef>
-          <a:fontRef idx="minor">
-            <a:schemeClr val="tx1"/>
-          </a:fontRef>
-        </p:style>
-      </p:cxnSp>
+        <p:txBody>
+          <a:bodyPr wrap="square" rtlCol="0">
+            <a:spAutoFit/>
+          </a:bodyPr>
+          <a:lstStyle/>
+          <a:p>
+            <a:pPr marL="342900" indent="-342900">
+              <a:buFont typeface="+mj-lt"/>
+              <a:buAutoNum type="arabicPeriod"/>
+            </a:pPr>
+            <a:r>
+              <a:rPr lang="sv-SE" dirty="0"/>
+              <a:t>Vill man navigera från en sida till en annan från </a:t>
+            </a:r>
+            <a:r>
+              <a:rPr lang="sv-SE" dirty="0" err="1"/>
+              <a:t>javascript</a:t>
+            </a:r>
+            <a:r>
+              <a:rPr lang="sv-SE" dirty="0"/>
+              <a:t> dvs innanför script taggen gäller:</a:t>
+            </a:r>
+          </a:p>
+          <a:p>
+            <a:pPr marL="800100" lvl="1" indent="-342900">
+              <a:buFont typeface="+mj-lt"/>
+              <a:buAutoNum type="arabicPeriod"/>
+            </a:pPr>
+            <a:r>
+              <a:rPr lang="sv-SE" dirty="0"/>
+              <a:t>Importera </a:t>
+            </a:r>
+            <a:r>
+              <a:rPr lang="sv-SE" dirty="0" err="1">
+                <a:solidFill>
+                  <a:schemeClr val="tx2">
+                    <a:lumMod val="75000"/>
+                    <a:lumOff val="25000"/>
+                  </a:schemeClr>
+                </a:solidFill>
+              </a:rPr>
+              <a:t>useRouter</a:t>
+            </a:r>
+            <a:r>
+              <a:rPr lang="sv-SE" dirty="0"/>
+              <a:t> from </a:t>
+            </a:r>
+            <a:r>
+              <a:rPr lang="sv-SE" dirty="0">
+                <a:solidFill>
+                  <a:schemeClr val="tx2">
+                    <a:lumMod val="75000"/>
+                    <a:lumOff val="25000"/>
+                  </a:schemeClr>
+                </a:solidFill>
+              </a:rPr>
+              <a:t>’</a:t>
+            </a:r>
+            <a:r>
+              <a:rPr lang="sv-SE" dirty="0" err="1">
+                <a:solidFill>
+                  <a:schemeClr val="tx2">
+                    <a:lumMod val="75000"/>
+                    <a:lumOff val="25000"/>
+                  </a:schemeClr>
+                </a:solidFill>
+              </a:rPr>
+              <a:t>vue</a:t>
+            </a:r>
+            <a:r>
+              <a:rPr lang="sv-SE" dirty="0">
+                <a:solidFill>
+                  <a:schemeClr val="tx2">
+                    <a:lumMod val="75000"/>
+                    <a:lumOff val="25000"/>
+                  </a:schemeClr>
+                </a:solidFill>
+              </a:rPr>
+              <a:t>-router’</a:t>
+            </a:r>
+          </a:p>
+          <a:p>
+            <a:pPr marL="800100" lvl="1" indent="-342900">
+              <a:buFont typeface="+mj-lt"/>
+              <a:buAutoNum type="arabicPeriod"/>
+            </a:pPr>
+            <a:r>
+              <a:rPr lang="sv-SE" dirty="0"/>
+              <a:t>Skapa en referens till router, </a:t>
+            </a:r>
+            <a:r>
+              <a:rPr lang="sv-SE" dirty="0" err="1">
+                <a:solidFill>
+                  <a:schemeClr val="tx2">
+                    <a:lumMod val="75000"/>
+                    <a:lumOff val="25000"/>
+                  </a:schemeClr>
+                </a:solidFill>
+              </a:rPr>
+              <a:t>const</a:t>
+            </a:r>
+            <a:r>
+              <a:rPr lang="sv-SE" dirty="0">
+                <a:solidFill>
+                  <a:schemeClr val="tx2">
+                    <a:lumMod val="75000"/>
+                    <a:lumOff val="25000"/>
+                  </a:schemeClr>
+                </a:solidFill>
+              </a:rPr>
+              <a:t> router = </a:t>
+            </a:r>
+            <a:r>
+              <a:rPr lang="sv-SE" dirty="0" err="1">
+                <a:solidFill>
+                  <a:schemeClr val="tx2">
+                    <a:lumMod val="75000"/>
+                    <a:lumOff val="25000"/>
+                  </a:schemeClr>
+                </a:solidFill>
+              </a:rPr>
+              <a:t>useRouter</a:t>
+            </a:r>
+            <a:r>
+              <a:rPr lang="sv-SE" dirty="0">
+                <a:solidFill>
+                  <a:schemeClr val="tx2">
+                    <a:lumMod val="75000"/>
+                    <a:lumOff val="25000"/>
+                  </a:schemeClr>
+                </a:solidFill>
+              </a:rPr>
+              <a:t>()</a:t>
+            </a:r>
+          </a:p>
+          <a:p>
+            <a:pPr marL="800100" lvl="1" indent="-342900">
+              <a:buFont typeface="+mj-lt"/>
+              <a:buAutoNum type="arabicPeriod"/>
+            </a:pPr>
+            <a:r>
+              <a:rPr lang="sv-SE" dirty="0"/>
+              <a:t>Använd </a:t>
+            </a:r>
+            <a:r>
+              <a:rPr lang="sv-SE" dirty="0" err="1">
+                <a:solidFill>
+                  <a:schemeClr val="tx2">
+                    <a:lumMod val="75000"/>
+                    <a:lumOff val="25000"/>
+                  </a:schemeClr>
+                </a:solidFill>
+              </a:rPr>
+              <a:t>router.push</a:t>
+            </a:r>
+            <a:r>
+              <a:rPr lang="sv-SE" dirty="0">
+                <a:solidFill>
+                  <a:schemeClr val="tx2">
+                    <a:lumMod val="75000"/>
+                    <a:lumOff val="25000"/>
+                  </a:schemeClr>
+                </a:solidFill>
+              </a:rPr>
+              <a:t>() </a:t>
+            </a:r>
+            <a:r>
+              <a:rPr lang="sv-SE" dirty="0"/>
+              <a:t>till </a:t>
+            </a:r>
+            <a:r>
+              <a:rPr lang="sv-SE" dirty="0" err="1">
+                <a:solidFill>
+                  <a:schemeClr val="tx2">
+                    <a:lumMod val="75000"/>
+                    <a:lumOff val="25000"/>
+                  </a:schemeClr>
+                </a:solidFill>
+              </a:rPr>
+              <a:t>pathen</a:t>
+            </a:r>
+            <a:r>
+              <a:rPr lang="sv-SE" dirty="0"/>
+              <a:t> ni vill navigera</a:t>
+            </a:r>
+          </a:p>
+        </p:txBody>
+      </p:sp>
+      <p:sp>
+        <p:nvSpPr>
+          <p:cNvPr id="10" name="TextBox 9">
+            <a:extLst>
+              <a:ext uri="{FF2B5EF4-FFF2-40B4-BE49-F238E27FC236}">
+                <a16:creationId xmlns:a16="http://schemas.microsoft.com/office/drawing/2014/main" id="{7D2645E7-674A-174D-EFB1-1723282F1902}"/>
+              </a:ext>
+            </a:extLst>
+          </p:cNvPr>
+          <p:cNvSpPr txBox="1"/>
+          <p:nvPr/>
+        </p:nvSpPr>
+        <p:spPr>
+          <a:xfrm>
+            <a:off x="6610525" y="5427677"/>
+            <a:ext cx="579005" cy="369332"/>
+          </a:xfrm>
+          <a:prstGeom prst="rect">
+            <a:avLst/>
+          </a:prstGeom>
+          <a:noFill/>
+        </p:spPr>
+        <p:txBody>
+          <a:bodyPr wrap="none" rtlCol="0">
+            <a:spAutoFit/>
+          </a:bodyPr>
+          <a:lstStyle/>
+          <a:p>
+            <a:r>
+              <a:rPr lang="sv-SE" dirty="0">
+                <a:solidFill>
+                  <a:schemeClr val="tx2">
+                    <a:lumMod val="50000"/>
+                    <a:lumOff val="50000"/>
+                  </a:schemeClr>
+                </a:solidFill>
+              </a:rPr>
+              <a:t>ETT</a:t>
+            </a:r>
+          </a:p>
+        </p:txBody>
+      </p:sp>
+      <p:sp>
+        <p:nvSpPr>
+          <p:cNvPr id="11" name="TextBox 10">
+            <a:extLst>
+              <a:ext uri="{FF2B5EF4-FFF2-40B4-BE49-F238E27FC236}">
+                <a16:creationId xmlns:a16="http://schemas.microsoft.com/office/drawing/2014/main" id="{2E83553E-A2E6-6019-973E-DEB99A22E32C}"/>
+              </a:ext>
+            </a:extLst>
+          </p:cNvPr>
+          <p:cNvSpPr txBox="1"/>
+          <p:nvPr/>
+        </p:nvSpPr>
+        <p:spPr>
+          <a:xfrm>
+            <a:off x="6610525" y="5718876"/>
+            <a:ext cx="617477" cy="369332"/>
+          </a:xfrm>
+          <a:prstGeom prst="rect">
+            <a:avLst/>
+          </a:prstGeom>
+          <a:noFill/>
+        </p:spPr>
+        <p:txBody>
+          <a:bodyPr wrap="none" rtlCol="0">
+            <a:spAutoFit/>
+          </a:bodyPr>
+          <a:lstStyle/>
+          <a:p>
+            <a:r>
+              <a:rPr lang="sv-SE" dirty="0">
+                <a:solidFill>
+                  <a:schemeClr val="tx2">
+                    <a:lumMod val="50000"/>
+                    <a:lumOff val="50000"/>
+                  </a:schemeClr>
+                </a:solidFill>
+              </a:rPr>
+              <a:t>TVÅ</a:t>
+            </a:r>
+          </a:p>
+        </p:txBody>
+      </p:sp>
+      <p:sp>
+        <p:nvSpPr>
+          <p:cNvPr id="12" name="TextBox 11">
+            <a:extLst>
+              <a:ext uri="{FF2B5EF4-FFF2-40B4-BE49-F238E27FC236}">
+                <a16:creationId xmlns:a16="http://schemas.microsoft.com/office/drawing/2014/main" id="{E8A14D43-35FC-88A6-790F-B41F1A70D981}"/>
+              </a:ext>
+            </a:extLst>
+          </p:cNvPr>
+          <p:cNvSpPr txBox="1"/>
+          <p:nvPr/>
+        </p:nvSpPr>
+        <p:spPr>
+          <a:xfrm>
+            <a:off x="6628956" y="6127951"/>
+            <a:ext cx="579005" cy="369332"/>
+          </a:xfrm>
+          <a:prstGeom prst="rect">
+            <a:avLst/>
+          </a:prstGeom>
+          <a:noFill/>
+        </p:spPr>
+        <p:txBody>
+          <a:bodyPr wrap="none" rtlCol="0">
+            <a:spAutoFit/>
+          </a:bodyPr>
+          <a:lstStyle/>
+          <a:p>
+            <a:r>
+              <a:rPr lang="sv-SE" dirty="0">
+                <a:solidFill>
+                  <a:schemeClr val="tx2">
+                    <a:lumMod val="50000"/>
+                    <a:lumOff val="50000"/>
+                  </a:schemeClr>
+                </a:solidFill>
+              </a:rPr>
+              <a:t>TRE</a:t>
+            </a:r>
+          </a:p>
+        </p:txBody>
+      </p:sp>
     </p:spTree>
     <p:extLst>
       <p:ext uri="{BB962C8B-B14F-4D97-AF65-F5344CB8AC3E}">
-        <p14:creationId xmlns:p14="http://schemas.microsoft.com/office/powerpoint/2010/main" val="2839932691"/>
+        <p14:creationId xmlns:p14="http://schemas.microsoft.com/office/powerpoint/2010/main" val="532078434"/>
       </p:ext>
     </p:extLst>
   </p:cSld>
@@ -10867,6 +10664,36 @@
           <a:chExt cx="0" cy="0"/>
         </a:xfrm>
       </p:grpSpPr>
+      <p:pic>
+        <p:nvPicPr>
+          <p:cNvPr id="4" name="Picture 3">
+            <a:extLst>
+              <a:ext uri="{FF2B5EF4-FFF2-40B4-BE49-F238E27FC236}">
+                <a16:creationId xmlns:a16="http://schemas.microsoft.com/office/drawing/2014/main" id="{74F34C48-1135-E95D-FB82-A467175E7D0B}"/>
+              </a:ext>
+            </a:extLst>
+          </p:cNvPr>
+          <p:cNvPicPr>
+            <a:picLocks noChangeAspect="1"/>
+          </p:cNvPicPr>
+          <p:nvPr/>
+        </p:nvPicPr>
+        <p:blipFill>
+          <a:blip r:embed="rId2"/>
+          <a:stretch>
+            <a:fillRect/>
+          </a:stretch>
+        </p:blipFill>
+        <p:spPr>
+          <a:xfrm>
+            <a:off x="1522343" y="2434380"/>
+            <a:ext cx="10239375" cy="5143500"/>
+          </a:xfrm>
+          <a:prstGeom prst="rect">
+            <a:avLst/>
+          </a:prstGeom>
+        </p:spPr>
+      </p:pic>
       <p:sp>
         <p:nvSpPr>
           <p:cNvPr id="2" name="Title 1">
@@ -10900,14 +10727,23 @@
               <a:rPr lang="en-US" sz="4000" dirty="0" err="1">
                 <a:latin typeface="Gill Sans MT (Body)"/>
               </a:rPr>
-              <a:t>AnvändA</a:t>
+              <a:t>Navigera</a:t>
             </a:r>
             <a:r>
               <a:rPr lang="en-US" sz="4000" dirty="0">
                 <a:latin typeface="Gill Sans MT (Body)"/>
               </a:rPr>
-              <a:t> Vue-router</a:t>
-            </a:r>
+              <a:t> med </a:t>
+            </a:r>
+            <a:r>
+              <a:rPr lang="en-US" sz="4000" dirty="0" err="1">
+                <a:latin typeface="Gill Sans MT (Body)"/>
+              </a:rPr>
+              <a:t>parametrar</a:t>
+            </a:r>
+            <a:endParaRPr lang="en-US" sz="4000" dirty="0">
+              <a:latin typeface="Gill Sans MT (Body)"/>
+            </a:endParaRPr>
           </a:p>
         </p:txBody>
       </p:sp>
@@ -10925,8 +10761,8 @@
         </p:nvSpPr>
         <p:spPr>
           <a:xfrm>
-            <a:off x="6224633" y="1436496"/>
-            <a:ext cx="5578677" cy="4401205"/>
+            <a:off x="2105637" y="1071347"/>
+            <a:ext cx="8338657" cy="1323439"/>
           </a:xfrm>
           <a:prstGeom prst="rect">
             <a:avLst/>
@@ -10953,85 +10789,7 @@
                 <a:latin typeface="Gill Sans MT (Body)"/>
                 <a:cs typeface="Times New Roman" panose="02020603050405020304" pitchFamily="18" charset="0"/>
               </a:rPr>
-              <a:t>Använd </a:t>
-            </a:r>
-            <a:r>
-              <a:rPr lang="sv-SE" sz="2000" dirty="0">
-                <a:solidFill>
-                  <a:schemeClr val="tx2">
-                    <a:lumMod val="75000"/>
-                    <a:lumOff val="25000"/>
-                  </a:schemeClr>
-                </a:solidFill>
-                <a:latin typeface="Gill Sans MT (Body)"/>
-                <a:cs typeface="Times New Roman" panose="02020603050405020304" pitchFamily="18" charset="0"/>
-              </a:rPr>
-              <a:t>router-</a:t>
-            </a:r>
-            <a:r>
-              <a:rPr lang="sv-SE" sz="2000" dirty="0" err="1">
-                <a:solidFill>
-                  <a:schemeClr val="tx2">
-                    <a:lumMod val="75000"/>
-                    <a:lumOff val="25000"/>
-                  </a:schemeClr>
-                </a:solidFill>
-                <a:latin typeface="Gill Sans MT (Body)"/>
-                <a:cs typeface="Times New Roman" panose="02020603050405020304" pitchFamily="18" charset="0"/>
-              </a:rPr>
-              <a:t>link</a:t>
-            </a:r>
-            <a:r>
-              <a:rPr lang="sv-SE" sz="2000" dirty="0">
-                <a:solidFill>
-                  <a:schemeClr val="tx2">
-                    <a:lumMod val="75000"/>
-                    <a:lumOff val="25000"/>
-                  </a:schemeClr>
-                </a:solidFill>
-                <a:latin typeface="Gill Sans MT (Body)"/>
-                <a:cs typeface="Times New Roman" panose="02020603050405020304" pitchFamily="18" charset="0"/>
-              </a:rPr>
-              <a:t> </a:t>
-            </a:r>
-            <a:r>
-              <a:rPr lang="sv-SE" sz="2000" dirty="0">
-                <a:solidFill>
-                  <a:schemeClr val="tx1">
-                    <a:lumMod val="65000"/>
-                    <a:lumOff val="35000"/>
-                  </a:schemeClr>
-                </a:solidFill>
-                <a:latin typeface="Gill Sans MT (Body)"/>
-                <a:cs typeface="Times New Roman" panose="02020603050405020304" pitchFamily="18" charset="0"/>
-              </a:rPr>
-              <a:t>taggen för att navigera från html delen, </a:t>
-            </a:r>
-            <a:r>
-              <a:rPr lang="sv-SE" sz="2000" dirty="0">
-                <a:solidFill>
-                  <a:schemeClr val="tx2">
-                    <a:lumMod val="75000"/>
-                    <a:lumOff val="25000"/>
-                  </a:schemeClr>
-                </a:solidFill>
-                <a:latin typeface="Gill Sans MT (Body)"/>
-                <a:cs typeface="Times New Roman" panose="02020603050405020304" pitchFamily="18" charset="0"/>
-              </a:rPr>
-              <a:t>to</a:t>
-            </a:r>
-            <a:r>
-              <a:rPr lang="sv-SE" sz="2000" dirty="0">
-                <a:solidFill>
-                  <a:schemeClr val="tx1">
-                    <a:lumMod val="65000"/>
-                    <a:lumOff val="35000"/>
-                  </a:schemeClr>
-                </a:solidFill>
-                <a:latin typeface="Gill Sans MT (Body)"/>
-                <a:cs typeface="Times New Roman" panose="02020603050405020304" pitchFamily="18" charset="0"/>
-              </a:rPr>
-              <a:t> attributet anger </a:t>
+              <a:t>I routes och </a:t>
             </a:r>
             <a:r>
               <a:rPr lang="sv-SE" sz="2000" dirty="0" err="1">
@@ -11057,7 +10815,33 @@
                 <a:latin typeface="Gill Sans MT (Body)"/>
                 <a:cs typeface="Times New Roman" panose="02020603050405020304" pitchFamily="18" charset="0"/>
               </a:rPr>
-              <a:t>.</a:t>
+              <a:t> för komponenten/sidan avslutar man med </a:t>
+            </a:r>
+            <a:r>
+              <a:rPr lang="sv-SE" sz="2000" dirty="0">
+                <a:solidFill>
+                  <a:schemeClr val="tx2">
+                    <a:lumMod val="75000"/>
+                    <a:lumOff val="25000"/>
+                  </a:schemeClr>
+                </a:solidFill>
+                <a:latin typeface="Gill Sans MT (Body)"/>
+                <a:cs typeface="Times New Roman" panose="02020603050405020304" pitchFamily="18" charset="0"/>
+              </a:rPr>
+              <a:t>/:id </a:t>
+            </a:r>
+            <a:r>
+              <a:rPr lang="sv-SE" sz="2000" dirty="0">
+                <a:solidFill>
+                  <a:schemeClr val="tx1">
+                    <a:lumMod val="65000"/>
+                    <a:lumOff val="35000"/>
+                  </a:schemeClr>
+                </a:solidFill>
+                <a:latin typeface="Gill Sans MT (Body)"/>
+                <a:cs typeface="Times New Roman" panose="02020603050405020304" pitchFamily="18" charset="0"/>
+              </a:rPr>
+              <a:t>för att ange att id är dynamisk parameter.</a:t>
             </a:r>
             <a:endParaRPr lang="sv-SE" sz="2000" dirty="0">
               <a:solidFill>
@@ -11071,10 +10855,6 @@
             </a:endParaRPr>
           </a:p>
           <a:p>
-            <a:pPr marL="457200" indent="-457200">
-              <a:buFont typeface="+mj-lt"/>
-              <a:buAutoNum type="arabicPeriod"/>
-            </a:pPr>
             <a:endParaRPr lang="sv-SE" sz="2000" dirty="0">
               <a:solidFill>
                 <a:schemeClr val="tx1">
@@ -11087,10 +10867,6 @@
             </a:endParaRPr>
           </a:p>
           <a:p>
-            <a:pPr marL="457200" indent="-457200">
-              <a:buFont typeface="+mj-lt"/>
-              <a:buAutoNum type="arabicPeriod"/>
-            </a:pPr>
             <a:endParaRPr lang="sv-SE" sz="2000" dirty="0">
               <a:solidFill>
                 <a:schemeClr val="tx1">
@@ -11102,336 +10878,14 @@
               <a:cs typeface="Times New Roman" panose="02020603050405020304" pitchFamily="18" charset="0"/>
             </a:endParaRPr>
           </a:p>
-          <a:p>
-            <a:pPr marL="457200" indent="-457200">
-              <a:buFont typeface="+mj-lt"/>
-              <a:buAutoNum type="arabicPeriod"/>
-            </a:pPr>
-            <a:endParaRPr lang="sv-SE" sz="2000" dirty="0">
-              <a:solidFill>
-                <a:schemeClr val="tx1">
-                  <a:lumMod val="65000"/>
-                  <a:lumOff val="35000"/>
-                </a:schemeClr>
-              </a:solidFill>
-              <a:latin typeface="Gill Sans MT (Body)"/>
-              <a:cs typeface="Times New Roman" panose="02020603050405020304" pitchFamily="18" charset="0"/>
-            </a:endParaRPr>
-          </a:p>
-          <a:p>
-            <a:pPr marL="457200" indent="-457200">
-              <a:buFont typeface="+mj-lt"/>
-              <a:buAutoNum type="arabicPeriod"/>
-            </a:pPr>
-            <a:endParaRPr lang="sv-SE" sz="2000" dirty="0">
-              <a:solidFill>
-                <a:schemeClr val="tx1">
-                  <a:lumMod val="65000"/>
-                  <a:lumOff val="35000"/>
-                </a:schemeClr>
-              </a:solidFill>
-              <a:latin typeface="Gill Sans MT (Body)"/>
-              <a:cs typeface="Times New Roman" panose="02020603050405020304" pitchFamily="18" charset="0"/>
-            </a:endParaRPr>
-          </a:p>
-          <a:p>
-            <a:pPr marL="457200" indent="-457200">
-              <a:buFont typeface="+mj-lt"/>
-              <a:buAutoNum type="arabicPeriod"/>
-            </a:pPr>
-            <a:r>
-              <a:rPr lang="sv-SE" sz="2000" dirty="0">
-                <a:solidFill>
-                  <a:schemeClr val="tx1">
-                    <a:lumMod val="65000"/>
-                    <a:lumOff val="35000"/>
-                  </a:schemeClr>
-                </a:solidFill>
-                <a:latin typeface="Gill Sans MT (Body)"/>
-                <a:cs typeface="Times New Roman" panose="02020603050405020304" pitchFamily="18" charset="0"/>
-              </a:rPr>
-              <a:t>Använd </a:t>
-            </a:r>
-            <a:r>
-              <a:rPr lang="sv-SE" sz="2000" dirty="0">
-                <a:solidFill>
-                  <a:schemeClr val="tx2">
-                    <a:lumMod val="75000"/>
-                    <a:lumOff val="25000"/>
-                  </a:schemeClr>
-                </a:solidFill>
-                <a:latin typeface="Gill Sans MT (Body)"/>
-                <a:cs typeface="Times New Roman" panose="02020603050405020304" pitchFamily="18" charset="0"/>
-              </a:rPr>
-              <a:t>router-</a:t>
-            </a:r>
-            <a:r>
-              <a:rPr lang="sv-SE" sz="2000" dirty="0" err="1">
-                <a:solidFill>
-                  <a:schemeClr val="tx2">
-                    <a:lumMod val="75000"/>
-                    <a:lumOff val="25000"/>
-                  </a:schemeClr>
-                </a:solidFill>
-                <a:latin typeface="Gill Sans MT (Body)"/>
-                <a:cs typeface="Times New Roman" panose="02020603050405020304" pitchFamily="18" charset="0"/>
-              </a:rPr>
-              <a:t>view</a:t>
-            </a:r>
-            <a:r>
-              <a:rPr lang="sv-SE" sz="2000" dirty="0">
-                <a:solidFill>
-                  <a:schemeClr val="tx1">
-                    <a:lumMod val="65000"/>
-                    <a:lumOff val="35000"/>
-                  </a:schemeClr>
-                </a:solidFill>
-                <a:latin typeface="Gill Sans MT (Body)"/>
-                <a:cs typeface="Times New Roman" panose="02020603050405020304" pitchFamily="18" charset="0"/>
-              </a:rPr>
-              <a:t> taggen där du vill sidorna/komponenterna ska hamna.</a:t>
-            </a:r>
-          </a:p>
-          <a:p>
-            <a:pPr marL="457200" indent="-457200">
-              <a:buFont typeface="+mj-lt"/>
-              <a:buAutoNum type="arabicPeriod"/>
-            </a:pPr>
-            <a:endParaRPr lang="sv-SE" sz="2000" dirty="0">
-              <a:solidFill>
-                <a:schemeClr val="tx1">
-                  <a:lumMod val="65000"/>
-                  <a:lumOff val="35000"/>
-                </a:schemeClr>
-              </a:solidFill>
-              <a:latin typeface="Gill Sans MT (Body)"/>
-              <a:cs typeface="Times New Roman" panose="02020603050405020304" pitchFamily="18" charset="0"/>
-            </a:endParaRPr>
-          </a:p>
-          <a:p>
-            <a:pPr marL="457200" indent="-457200">
-              <a:buFont typeface="+mj-lt"/>
-              <a:buAutoNum type="arabicPeriod"/>
-            </a:pPr>
-            <a:endParaRPr lang="sv-SE" sz="2000" dirty="0">
-              <a:solidFill>
-                <a:schemeClr val="tx1">
-                  <a:lumMod val="65000"/>
-                  <a:lumOff val="35000"/>
-                </a:schemeClr>
-              </a:solidFill>
-              <a:latin typeface="Gill Sans MT (Body)"/>
-              <a:cs typeface="Times New Roman" panose="02020603050405020304" pitchFamily="18" charset="0"/>
-            </a:endParaRPr>
-          </a:p>
-          <a:p>
-            <a:pPr marL="457200" indent="-457200">
-              <a:buFont typeface="+mj-lt"/>
-              <a:buAutoNum type="arabicPeriod"/>
-            </a:pPr>
-            <a:endParaRPr lang="sv-SE" sz="2000" dirty="0">
-              <a:solidFill>
-                <a:schemeClr val="tx1">
-                  <a:lumMod val="65000"/>
-                  <a:lumOff val="35000"/>
-                </a:schemeClr>
-              </a:solidFill>
-              <a:latin typeface="Gill Sans MT (Body)"/>
-              <a:cs typeface="Times New Roman" panose="02020603050405020304" pitchFamily="18" charset="0"/>
-            </a:endParaRPr>
-          </a:p>
-          <a:p>
-            <a:pPr marL="457200" indent="-457200">
-              <a:buFont typeface="+mj-lt"/>
-              <a:buAutoNum type="arabicPeriod"/>
-            </a:pPr>
-            <a:endParaRPr lang="sv-SE" sz="2000" dirty="0">
-              <a:solidFill>
-                <a:schemeClr val="tx1">
-                  <a:lumMod val="65000"/>
-                  <a:lumOff val="35000"/>
-                </a:schemeClr>
-              </a:solidFill>
-              <a:latin typeface="Gill Sans MT (Body)"/>
-              <a:cs typeface="Times New Roman" panose="02020603050405020304" pitchFamily="18" charset="0"/>
-            </a:endParaRPr>
-          </a:p>
-          <a:p>
-            <a:pPr marL="457200" indent="-457200">
-              <a:buFont typeface="+mj-lt"/>
-              <a:buAutoNum type="arabicPeriod"/>
-            </a:pPr>
-            <a:r>
-              <a:rPr lang="sv-SE" sz="2000" dirty="0">
-                <a:solidFill>
-                  <a:schemeClr val="tx1">
-                    <a:lumMod val="65000"/>
-                    <a:lumOff val="35000"/>
-                  </a:schemeClr>
-                </a:solidFill>
-                <a:latin typeface="Gill Sans MT (Body)"/>
-                <a:cs typeface="Times New Roman" panose="02020603050405020304" pitchFamily="18" charset="0"/>
-              </a:rPr>
-              <a:t>Vill man navigera till en sida från </a:t>
-            </a:r>
-            <a:r>
-              <a:rPr lang="sv-SE" sz="2000" dirty="0" err="1">
-                <a:solidFill>
-                  <a:schemeClr val="tx1">
-                    <a:lumMod val="65000"/>
-                    <a:lumOff val="35000"/>
-                  </a:schemeClr>
-                </a:solidFill>
-                <a:latin typeface="Gill Sans MT (Body)"/>
-                <a:cs typeface="Times New Roman" panose="02020603050405020304" pitchFamily="18" charset="0"/>
-              </a:rPr>
-              <a:t>javascript</a:t>
-            </a:r>
-            <a:r>
-              <a:rPr lang="sv-SE" sz="2000" dirty="0">
-                <a:solidFill>
-                  <a:schemeClr val="tx1">
-                    <a:lumMod val="65000"/>
-                    <a:lumOff val="35000"/>
-                  </a:schemeClr>
-                </a:solidFill>
-                <a:latin typeface="Gill Sans MT (Body)"/>
-                <a:cs typeface="Times New Roman" panose="02020603050405020304" pitchFamily="18" charset="0"/>
-              </a:rPr>
-              <a:t> koden använder man </a:t>
-            </a:r>
-            <a:r>
-              <a:rPr lang="sv-SE" sz="2000" dirty="0" err="1">
-                <a:solidFill>
-                  <a:schemeClr val="tx2">
-                    <a:lumMod val="75000"/>
-                    <a:lumOff val="25000"/>
-                  </a:schemeClr>
-                </a:solidFill>
-                <a:latin typeface="Gill Sans MT (Body)"/>
-                <a:cs typeface="Times New Roman" panose="02020603050405020304" pitchFamily="18" charset="0"/>
-              </a:rPr>
-              <a:t>this</a:t>
-            </a:r>
-            <a:r>
-              <a:rPr lang="sv-SE" sz="2000" dirty="0">
-                <a:solidFill>
-                  <a:schemeClr val="tx2">
-                    <a:lumMod val="75000"/>
-                    <a:lumOff val="25000"/>
-                  </a:schemeClr>
-                </a:solidFill>
-                <a:latin typeface="Gill Sans MT (Body)"/>
-                <a:cs typeface="Times New Roman" panose="02020603050405020304" pitchFamily="18" charset="0"/>
-              </a:rPr>
-              <a:t>.$</a:t>
-            </a:r>
-            <a:r>
-              <a:rPr lang="sv-SE" sz="2000" dirty="0" err="1">
-                <a:solidFill>
-                  <a:schemeClr val="tx2">
-                    <a:lumMod val="75000"/>
-                    <a:lumOff val="25000"/>
-                  </a:schemeClr>
-                </a:solidFill>
-                <a:latin typeface="Gill Sans MT (Body)"/>
-                <a:cs typeface="Times New Roman" panose="02020603050405020304" pitchFamily="18" charset="0"/>
-              </a:rPr>
-              <a:t>router.push</a:t>
-            </a:r>
-            <a:r>
-              <a:rPr lang="sv-SE" sz="2000" dirty="0">
-                <a:solidFill>
-                  <a:schemeClr val="tx2">
-                    <a:lumMod val="75000"/>
-                    <a:lumOff val="25000"/>
-                  </a:schemeClr>
-                </a:solidFill>
-                <a:latin typeface="Gill Sans MT (Body)"/>
-                <a:cs typeface="Times New Roman" panose="02020603050405020304" pitchFamily="18" charset="0"/>
-              </a:rPr>
-              <a:t>(’ ’)</a:t>
-            </a:r>
-          </a:p>
         </p:txBody>
       </p:sp>
-      <p:pic>
-        <p:nvPicPr>
-          <p:cNvPr id="3" name="Picture 2">
+      <p:sp>
+        <p:nvSpPr>
+          <p:cNvPr id="7" name="Right Brace 6">
             <a:extLst>
               <a:ext uri="{FF2B5EF4-FFF2-40B4-BE49-F238E27FC236}">
-                <a16:creationId xmlns:a16="http://schemas.microsoft.com/office/drawing/2014/main" id="{97C02197-CCBA-46CC-BB4D-D1DF555B370E}"/>
-              </a:ext>
-            </a:extLst>
-          </p:cNvPr>
-          <p:cNvPicPr>
-            <a:picLocks noChangeAspect="1"/>
-          </p:cNvPicPr>
-          <p:nvPr/>
-        </p:nvPicPr>
-        <p:blipFill>
-          <a:blip r:embed="rId2"/>
-          <a:stretch>
-            <a:fillRect/>
-          </a:stretch>
-        </p:blipFill>
-        <p:spPr>
-          <a:xfrm>
-            <a:off x="1065909" y="844011"/>
-            <a:ext cx="4295775" cy="5838825"/>
-          </a:xfrm>
-          <a:prstGeom prst="rect">
-            <a:avLst/>
-          </a:prstGeom>
-        </p:spPr>
-      </p:pic>
-      <p:cxnSp>
-        <p:nvCxnSpPr>
-          <p:cNvPr id="28" name="Straight Arrow Connector 27">
-            <a:extLst>
-              <a:ext uri="{FF2B5EF4-FFF2-40B4-BE49-F238E27FC236}">
-                <a16:creationId xmlns:a16="http://schemas.microsoft.com/office/drawing/2014/main" id="{85850D84-36BA-4D83-973A-126F469D9187}"/>
-              </a:ext>
-            </a:extLst>
-          </p:cNvPr>
-          <p:cNvCxnSpPr>
-            <a:cxnSpLocks/>
-          </p:cNvCxnSpPr>
-          <p:nvPr/>
-        </p:nvCxnSpPr>
-        <p:spPr>
-          <a:xfrm flipV="1">
-            <a:off x="5710853" y="1695153"/>
-            <a:ext cx="513780" cy="643391"/>
-          </a:xfrm>
-          <a:prstGeom prst="straightConnector1">
-            <a:avLst/>
-          </a:prstGeom>
-          <a:ln w="12700">
-            <a:tailEnd type="triangle"/>
-          </a:ln>
-        </p:spPr>
-        <p:style>
-          <a:lnRef idx="1">
-            <a:schemeClr val="accent1"/>
-          </a:lnRef>
-          <a:fillRef idx="0">
-            <a:schemeClr val="accent1"/>
-          </a:fillRef>
-          <a:effectRef idx="0">
-            <a:schemeClr val="accent1"/>
-          </a:effectRef>
-          <a:fontRef idx="minor">
-            <a:schemeClr val="tx1"/>
-          </a:fontRef>
-        </p:style>
-      </p:cxnSp>
-      <p:sp>
-        <p:nvSpPr>
-          <p:cNvPr id="23" name="Right Brace 22">
-            <a:extLst>
-              <a:ext uri="{FF2B5EF4-FFF2-40B4-BE49-F238E27FC236}">
-                <a16:creationId xmlns:a16="http://schemas.microsoft.com/office/drawing/2014/main" id="{6CCB392E-2245-4D7B-B15E-660315B67E00}"/>
+                <a16:creationId xmlns:a16="http://schemas.microsoft.com/office/drawing/2014/main" id="{2C7971F9-4AE2-4E64-AB54-C2A94BBF2371}"/>
               </a:ext>
             </a:extLst>
           </p:cNvPr>
@@ -11440,8 +10894,8 @@
         </p:nvSpPr>
         <p:spPr>
           <a:xfrm>
-            <a:off x="3631402" y="3406872"/>
-            <a:ext cx="206559" cy="460454"/>
+            <a:off x="4681056" y="2751589"/>
+            <a:ext cx="59893" cy="352312"/>
           </a:xfrm>
           <a:prstGeom prst="rightBrace">
             <a:avLst/>
@@ -11472,10 +10926,10 @@
       </p:sp>
       <p:sp>
         <p:nvSpPr>
-          <p:cNvPr id="25" name="Right Brace 24">
+          <p:cNvPr id="16" name="Right Brace 15">
             <a:extLst>
               <a:ext uri="{FF2B5EF4-FFF2-40B4-BE49-F238E27FC236}">
-                <a16:creationId xmlns:a16="http://schemas.microsoft.com/office/drawing/2014/main" id="{86E73463-C698-4505-8A08-98EAC09A9FC4}"/>
+                <a16:creationId xmlns:a16="http://schemas.microsoft.com/office/drawing/2014/main" id="{6932380E-26EF-45F9-8D3D-4EE9F18ABDA1}"/>
               </a:ext>
             </a:extLst>
           </p:cNvPr>
@@ -11484,55 +10938,8 @@
         </p:nvSpPr>
         <p:spPr>
           <a:xfrm>
-            <a:off x="4891516" y="1482653"/>
-            <a:ext cx="767903" cy="1711782"/>
-          </a:xfrm>
-          <a:prstGeom prst="rightBrace">
-            <a:avLst>
-              <a:gd name="adj1" fmla="val 15690"/>
-              <a:gd name="adj2" fmla="val 50000"/>
-            </a:avLst>
-          </a:prstGeom>
-        </p:spPr>
-        <p:style>
-          <a:lnRef idx="1">
-            <a:schemeClr val="accent1"/>
-          </a:lnRef>
-          <a:fillRef idx="0">
-            <a:schemeClr val="accent1"/>
-          </a:fillRef>
-          <a:effectRef idx="0">
-            <a:schemeClr val="accent1"/>
-          </a:effectRef>
-          <a:fontRef idx="minor">
-            <a:schemeClr val="tx1"/>
-          </a:fontRef>
-        </p:style>
-        <p:txBody>
-          <a:bodyPr rtlCol="0" anchor="ctr"/>
-          <a:lstStyle/>
-          <a:p>
-            <a:pPr algn="ctr"/>
-            <a:endParaRPr lang="en-SE"/>
-          </a:p>
-        </p:txBody>
-      </p:sp>
-      <p:sp>
-        <p:nvSpPr>
-          <p:cNvPr id="24" name="Right Brace 23">
-            <a:extLst>
-              <a:ext uri="{FF2B5EF4-FFF2-40B4-BE49-F238E27FC236}">
-                <a16:creationId xmlns:a16="http://schemas.microsoft.com/office/drawing/2014/main" id="{5D9B506E-887A-4FD3-8F79-E05EF8A82C2E}"/>
-              </a:ext>
-            </a:extLst>
-          </p:cNvPr>
-          <p:cNvSpPr/>
-          <p:nvPr/>
-        </p:nvSpPr>
-        <p:spPr>
-          <a:xfrm>
-            <a:off x="3520623" y="5588859"/>
-            <a:ext cx="223260" cy="497683"/>
+            <a:off x="5043181" y="5228157"/>
+            <a:ext cx="59893" cy="352312"/>
           </a:xfrm>
           <a:prstGeom prst="rightBrace">
             <a:avLst/>
@@ -11561,136 +10968,10 @@
           </a:p>
         </p:txBody>
       </p:sp>
-      <p:cxnSp>
-        <p:nvCxnSpPr>
-          <p:cNvPr id="35" name="Straight Arrow Connector 34">
-            <a:extLst>
-              <a:ext uri="{FF2B5EF4-FFF2-40B4-BE49-F238E27FC236}">
-                <a16:creationId xmlns:a16="http://schemas.microsoft.com/office/drawing/2014/main" id="{409CF2C4-9803-4D2E-AA6D-10A982CB6D5F}"/>
-              </a:ext>
-            </a:extLst>
-          </p:cNvPr>
-          <p:cNvCxnSpPr>
-            <a:cxnSpLocks/>
-          </p:cNvCxnSpPr>
-          <p:nvPr/>
-        </p:nvCxnSpPr>
-        <p:spPr>
-          <a:xfrm flipV="1">
-            <a:off x="3823231" y="5375347"/>
-            <a:ext cx="2375366" cy="483334"/>
-          </a:xfrm>
-          <a:prstGeom prst="straightConnector1">
-            <a:avLst/>
-          </a:prstGeom>
-          <a:ln w="12700">
-            <a:tailEnd type="triangle"/>
-          </a:ln>
-        </p:spPr>
-        <p:style>
-          <a:lnRef idx="1">
-            <a:schemeClr val="accent1"/>
-          </a:lnRef>
-          <a:fillRef idx="0">
-            <a:schemeClr val="accent1"/>
-          </a:fillRef>
-          <a:effectRef idx="0">
-            <a:schemeClr val="accent1"/>
-          </a:effectRef>
-          <a:fontRef idx="minor">
-            <a:schemeClr val="tx1"/>
-          </a:fontRef>
-        </p:style>
-      </p:cxnSp>
-      <p:sp>
-        <p:nvSpPr>
-          <p:cNvPr id="26" name="TextBox 25">
-            <a:extLst>
-              <a:ext uri="{FF2B5EF4-FFF2-40B4-BE49-F238E27FC236}">
-                <a16:creationId xmlns:a16="http://schemas.microsoft.com/office/drawing/2014/main" id="{2831A729-B6A3-4E59-9E27-805CAB17789F}"/>
-              </a:ext>
-            </a:extLst>
-          </p:cNvPr>
-          <p:cNvSpPr txBox="1"/>
-          <p:nvPr/>
-        </p:nvSpPr>
-        <p:spPr>
-          <a:xfrm>
-            <a:off x="4486048" y="842473"/>
-            <a:ext cx="882486" cy="369332"/>
-          </a:xfrm>
-          <a:prstGeom prst="rect">
-            <a:avLst/>
-          </a:prstGeom>
-          <a:noFill/>
-        </p:spPr>
-        <p:txBody>
-          <a:bodyPr wrap="none" rtlCol="0">
-            <a:spAutoFit/>
-          </a:bodyPr>
-          <a:lstStyle/>
-          <a:p>
-            <a:r>
-              <a:rPr lang="en-US" dirty="0" err="1">
-                <a:solidFill>
-                  <a:srgbClr val="FFC000"/>
-                </a:solidFill>
-              </a:rPr>
-              <a:t>app.vue</a:t>
-            </a:r>
-            <a:endParaRPr lang="en-SE" dirty="0">
-              <a:solidFill>
-                <a:srgbClr val="FFC000"/>
-              </a:solidFill>
-            </a:endParaRPr>
-          </a:p>
-        </p:txBody>
-      </p:sp>
-      <p:cxnSp>
-        <p:nvCxnSpPr>
-          <p:cNvPr id="33" name="Straight Arrow Connector 32">
-            <a:extLst>
-              <a:ext uri="{FF2B5EF4-FFF2-40B4-BE49-F238E27FC236}">
-                <a16:creationId xmlns:a16="http://schemas.microsoft.com/office/drawing/2014/main" id="{A469AF03-91E8-4ACF-AC6B-294E260A2ACD}"/>
-              </a:ext>
-            </a:extLst>
-          </p:cNvPr>
-          <p:cNvCxnSpPr>
-            <a:cxnSpLocks/>
-          </p:cNvCxnSpPr>
-          <p:nvPr/>
-        </p:nvCxnSpPr>
-        <p:spPr>
-          <a:xfrm flipV="1">
-            <a:off x="3911318" y="3552495"/>
-            <a:ext cx="2313315" cy="81783"/>
-          </a:xfrm>
-          <a:prstGeom prst="straightConnector1">
-            <a:avLst/>
-          </a:prstGeom>
-          <a:ln w="12700">
-            <a:tailEnd type="triangle"/>
-          </a:ln>
-        </p:spPr>
-        <p:style>
-          <a:lnRef idx="1">
-            <a:schemeClr val="accent1"/>
-          </a:lnRef>
-          <a:fillRef idx="0">
-            <a:schemeClr val="accent1"/>
-          </a:fillRef>
-          <a:effectRef idx="0">
-            <a:schemeClr val="accent1"/>
-          </a:effectRef>
-          <a:fontRef idx="minor">
-            <a:schemeClr val="tx1"/>
-          </a:fontRef>
-        </p:style>
-      </p:cxnSp>
     </p:spTree>
     <p:extLst>
       <p:ext uri="{BB962C8B-B14F-4D97-AF65-F5344CB8AC3E}">
-        <p14:creationId xmlns:p14="http://schemas.microsoft.com/office/powerpoint/2010/main" val="879214860"/>
+        <p14:creationId xmlns:p14="http://schemas.microsoft.com/office/powerpoint/2010/main" val="3541977721"/>
       </p:ext>
     </p:extLst>
   </p:cSld>
@@ -11784,8 +11065,8 @@
         </p:nvSpPr>
         <p:spPr>
           <a:xfrm>
-            <a:off x="6224633" y="1436496"/>
-            <a:ext cx="5578677" cy="5016758"/>
+            <a:off x="1058540" y="702231"/>
+            <a:ext cx="8338657" cy="1938992"/>
           </a:xfrm>
           <a:prstGeom prst="rect">
             <a:avLst/>
@@ -11798,8 +11079,8 @@
           <a:lstStyle/>
           <a:p>
             <a:pPr marL="457200" indent="-457200">
-              <a:buFont typeface="+mj-lt"/>
-              <a:buAutoNum type="arabicPeriod"/>
+              <a:buFont typeface="Arial" panose="020B0604020202020204" pitchFamily="34" charset="0"/>
+              <a:buChar char="•"/>
             </a:pPr>
             <a:r>
               <a:rPr lang="sv-SE" sz="2000" dirty="0">
@@ -11812,21 +11093,14 @@
                 <a:latin typeface="Gill Sans MT (Body)"/>
                 <a:cs typeface="Times New Roman" panose="02020603050405020304" pitchFamily="18" charset="0"/>
               </a:rPr>
-              <a:t>I routes och </a:t>
-            </a:r>
-            <a:r>
-              <a:rPr lang="sv-SE" sz="2000" dirty="0" err="1">
-                <a:solidFill>
-                  <a:schemeClr val="tx1">
-                    <a:lumMod val="65000"/>
-                    <a:lumOff val="35000"/>
-                  </a:schemeClr>
-                </a:solidFill>
-                <a:latin typeface="Gill Sans MT (Body)"/>
-                <a:cs typeface="Times New Roman" panose="02020603050405020304" pitchFamily="18" charset="0"/>
-              </a:rPr>
-              <a:t>pathen</a:t>
-            </a:r>
+              <a:t>Sedan kan vi komma åt id genom att:</a:t>
+            </a:r>
+          </a:p>
+          <a:p>
+            <a:pPr marL="914400" lvl="1" indent="-457200">
+              <a:buFont typeface="+mj-lt"/>
+              <a:buAutoNum type="arabicPeriod"/>
+            </a:pPr>
             <a:r>
               <a:rPr lang="sv-SE" sz="2000" dirty="0">
                 <a:solidFill>
@@ -11838,20 +11112,20 @@
                 <a:latin typeface="Gill Sans MT (Body)"/>
                 <a:cs typeface="Times New Roman" panose="02020603050405020304" pitchFamily="18" charset="0"/>
               </a:rPr>
-              <a:t> för komponenten avslutar man med </a:t>
-            </a:r>
-            <a:r>
-              <a:rPr lang="sv-SE" sz="2000" dirty="0">
+              <a:t>Importera </a:t>
+            </a:r>
+            <a:r>
+              <a:rPr lang="sv-SE" sz="2000" dirty="0" err="1">
                 <a:solidFill>
                   <a:schemeClr val="tx2">
-                    <a:lumMod val="75000"/>
-                    <a:lumOff val="25000"/>
+                    <a:lumMod val="50000"/>
+                    <a:lumOff val="50000"/>
                   </a:schemeClr>
                 </a:solidFill>
                 <a:latin typeface="Gill Sans MT (Body)"/>
                 <a:cs typeface="Times New Roman" panose="02020603050405020304" pitchFamily="18" charset="0"/>
               </a:rPr>
-              <a:t>/:id </a:t>
+              <a:t>useRoute</a:t>
             </a:r>
             <a:r>
               <a:rPr lang="sv-SE" sz="2000" dirty="0">
@@ -11864,7 +11138,136 @@
                 <a:latin typeface="Gill Sans MT (Body)"/>
                 <a:cs typeface="Times New Roman" panose="02020603050405020304" pitchFamily="18" charset="0"/>
               </a:rPr>
-              <a:t>för att ange att id är dynamisk parameter.</a:t>
+              <a:t> from </a:t>
+            </a:r>
+            <a:r>
+              <a:rPr lang="sv-SE" sz="2000" dirty="0">
+                <a:solidFill>
+                  <a:schemeClr val="tx2">
+                    <a:lumMod val="50000"/>
+                    <a:lumOff val="50000"/>
+                  </a:schemeClr>
+                </a:solidFill>
+                <a:latin typeface="Gill Sans MT (Body)"/>
+                <a:cs typeface="Times New Roman" panose="02020603050405020304" pitchFamily="18" charset="0"/>
+              </a:rPr>
+              <a:t>’</a:t>
+            </a:r>
+            <a:r>
+              <a:rPr lang="sv-SE" sz="2000" dirty="0" err="1">
+                <a:solidFill>
+                  <a:schemeClr val="tx2">
+                    <a:lumMod val="50000"/>
+                    <a:lumOff val="50000"/>
+                  </a:schemeClr>
+                </a:solidFill>
+                <a:latin typeface="Gill Sans MT (Body)"/>
+                <a:cs typeface="Times New Roman" panose="02020603050405020304" pitchFamily="18" charset="0"/>
+              </a:rPr>
+              <a:t>vue</a:t>
+            </a:r>
+            <a:r>
+              <a:rPr lang="sv-SE" sz="2000" dirty="0">
+                <a:solidFill>
+                  <a:schemeClr val="tx2">
+                    <a:lumMod val="50000"/>
+                    <a:lumOff val="50000"/>
+                  </a:schemeClr>
+                </a:solidFill>
+                <a:latin typeface="Gill Sans MT (Body)"/>
+                <a:cs typeface="Times New Roman" panose="02020603050405020304" pitchFamily="18" charset="0"/>
+              </a:rPr>
+              <a:t>-router’</a:t>
+            </a:r>
+          </a:p>
+          <a:p>
+            <a:pPr marL="914400" lvl="1" indent="-457200">
+              <a:buFont typeface="+mj-lt"/>
+              <a:buAutoNum type="arabicPeriod"/>
+            </a:pPr>
+            <a:r>
+              <a:rPr lang="sv-SE" sz="2000" dirty="0">
+                <a:solidFill>
+                  <a:schemeClr val="tx1">
+                    <a:lumMod val="65000"/>
+                    <a:lumOff val="35000"/>
+                  </a:schemeClr>
+                </a:solidFill>
+                <a:latin typeface="Gill Sans MT (Body)"/>
+                <a:cs typeface="Times New Roman" panose="02020603050405020304" pitchFamily="18" charset="0"/>
+              </a:rPr>
+              <a:t>Skapa en referens till route med </a:t>
+            </a:r>
+            <a:r>
+              <a:rPr lang="sv-SE" sz="2000" dirty="0" err="1">
+                <a:solidFill>
+                  <a:schemeClr val="tx2">
+                    <a:lumMod val="50000"/>
+                    <a:lumOff val="50000"/>
+                  </a:schemeClr>
+                </a:solidFill>
+                <a:latin typeface="Gill Sans MT (Body)"/>
+                <a:cs typeface="Times New Roman" panose="02020603050405020304" pitchFamily="18" charset="0"/>
+              </a:rPr>
+              <a:t>const</a:t>
+            </a:r>
+            <a:r>
+              <a:rPr lang="sv-SE" sz="2000" dirty="0">
+                <a:solidFill>
+                  <a:schemeClr val="tx2">
+                    <a:lumMod val="50000"/>
+                    <a:lumOff val="50000"/>
+                  </a:schemeClr>
+                </a:solidFill>
+                <a:latin typeface="Gill Sans MT (Body)"/>
+                <a:cs typeface="Times New Roman" panose="02020603050405020304" pitchFamily="18" charset="0"/>
+              </a:rPr>
+              <a:t> route = </a:t>
+            </a:r>
+            <a:r>
+              <a:rPr lang="sv-SE" sz="2000" dirty="0" err="1">
+                <a:solidFill>
+                  <a:schemeClr val="tx2">
+                    <a:lumMod val="50000"/>
+                    <a:lumOff val="50000"/>
+                  </a:schemeClr>
+                </a:solidFill>
+                <a:latin typeface="Gill Sans MT (Body)"/>
+                <a:cs typeface="Times New Roman" panose="02020603050405020304" pitchFamily="18" charset="0"/>
+              </a:rPr>
+              <a:t>useRoute</a:t>
+            </a:r>
+            <a:r>
+              <a:rPr lang="sv-SE" sz="2000" dirty="0">
+                <a:solidFill>
+                  <a:schemeClr val="tx2">
+                    <a:lumMod val="50000"/>
+                    <a:lumOff val="50000"/>
+                  </a:schemeClr>
+                </a:solidFill>
+                <a:latin typeface="Gill Sans MT (Body)"/>
+                <a:cs typeface="Times New Roman" panose="02020603050405020304" pitchFamily="18" charset="0"/>
+              </a:rPr>
+              <a:t>()</a:t>
+            </a:r>
+          </a:p>
+          <a:p>
+            <a:pPr marL="914400" lvl="1" indent="-457200">
+              <a:buFont typeface="+mj-lt"/>
+              <a:buAutoNum type="arabicPeriod"/>
+            </a:pPr>
+            <a:r>
+              <a:rPr lang="sv-SE" sz="2000" dirty="0">
+                <a:solidFill>
+                  <a:schemeClr val="tx1">
+                    <a:lumMod val="65000"/>
+                    <a:lumOff val="35000"/>
+                  </a:schemeClr>
+                </a:solidFill>
+                <a:latin typeface="Gill Sans MT (Body)"/>
+                <a:cs typeface="Times New Roman" panose="02020603050405020304" pitchFamily="18" charset="0"/>
+              </a:rPr>
+              <a:t>id finns sedan i route.params.id</a:t>
             </a:r>
             <a:endParaRPr lang="sv-SE" sz="2000" dirty="0">
               <a:solidFill>
@@ -11878,106 +11281,6 @@
             </a:endParaRPr>
           </a:p>
           <a:p>
-            <a:pPr marL="457200" indent="-457200">
-              <a:buFont typeface="+mj-lt"/>
-              <a:buAutoNum type="arabicPeriod"/>
-            </a:pPr>
-            <a:endParaRPr lang="sv-SE" sz="2000" dirty="0">
-              <a:solidFill>
-                <a:schemeClr val="tx2">
-                  <a:lumMod val="75000"/>
-                  <a:lumOff val="25000"/>
-                </a:schemeClr>
-              </a:solidFill>
-              <a:latin typeface="Gill Sans MT (Body)"/>
-              <a:cs typeface="Times New Roman" panose="02020603050405020304" pitchFamily="18" charset="0"/>
-            </a:endParaRPr>
-          </a:p>
-          <a:p>
-            <a:pPr marL="457200" indent="-457200">
-              <a:buFont typeface="+mj-lt"/>
-              <a:buAutoNum type="arabicPeriod"/>
-            </a:pPr>
-            <a:endParaRPr lang="sv-SE" sz="2000" dirty="0">
-              <a:solidFill>
-                <a:schemeClr val="tx2">
-                  <a:lumMod val="75000"/>
-                  <a:lumOff val="25000"/>
-                </a:schemeClr>
-              </a:solidFill>
-              <a:latin typeface="Gill Sans MT (Body)"/>
-              <a:cs typeface="Times New Roman" panose="02020603050405020304" pitchFamily="18" charset="0"/>
-            </a:endParaRPr>
-          </a:p>
-          <a:p>
-            <a:pPr marL="457200" indent="-457200">
-              <a:buFont typeface="+mj-lt"/>
-              <a:buAutoNum type="arabicPeriod"/>
-            </a:pPr>
-            <a:endParaRPr lang="sv-SE" sz="2000" dirty="0">
-              <a:solidFill>
-                <a:schemeClr val="tx2">
-                  <a:lumMod val="75000"/>
-                  <a:lumOff val="25000"/>
-                </a:schemeClr>
-              </a:solidFill>
-              <a:latin typeface="Gill Sans MT (Body)"/>
-              <a:cs typeface="Times New Roman" panose="02020603050405020304" pitchFamily="18" charset="0"/>
-            </a:endParaRPr>
-          </a:p>
-          <a:p>
-            <a:pPr marL="457200" indent="-457200">
-              <a:buFont typeface="+mj-lt"/>
-              <a:buAutoNum type="arabicPeriod"/>
-            </a:pPr>
-            <a:endParaRPr lang="sv-SE" sz="2000" dirty="0">
-              <a:solidFill>
-                <a:schemeClr val="tx2">
-                  <a:lumMod val="75000"/>
-                  <a:lumOff val="25000"/>
-                </a:schemeClr>
-              </a:solidFill>
-              <a:latin typeface="Gill Sans MT (Body)"/>
-              <a:cs typeface="Times New Roman" panose="02020603050405020304" pitchFamily="18" charset="0"/>
-            </a:endParaRPr>
-          </a:p>
-          <a:p>
-            <a:pPr marL="457200" indent="-457200">
-              <a:buFont typeface="+mj-lt"/>
-              <a:buAutoNum type="arabicPeriod"/>
-            </a:pPr>
-            <a:endParaRPr lang="sv-SE" sz="2000" dirty="0">
-              <a:solidFill>
-                <a:schemeClr val="tx2">
-                  <a:lumMod val="75000"/>
-                  <a:lumOff val="25000"/>
-                </a:schemeClr>
-              </a:solidFill>
-              <a:latin typeface="Gill Sans MT (Body)"/>
-              <a:cs typeface="Times New Roman" panose="02020603050405020304" pitchFamily="18" charset="0"/>
-            </a:endParaRPr>
-          </a:p>
-          <a:p>
-            <a:pPr marL="457200" indent="-457200">
-              <a:buFont typeface="+mj-lt"/>
-              <a:buAutoNum type="arabicPeriod"/>
-            </a:pPr>
-            <a:endParaRPr lang="sv-SE" sz="2000" dirty="0">
-              <a:solidFill>
-                <a:schemeClr val="tx2">
-                  <a:lumMod val="75000"/>
-                  <a:lumOff val="25000"/>
-                </a:schemeClr>
-              </a:solidFill>
-              <a:latin typeface="Gill Sans MT (Body)"/>
-              <a:cs typeface="Times New Roman" panose="02020603050405020304" pitchFamily="18" charset="0"/>
-            </a:endParaRPr>
-          </a:p>
-          <a:p>
-            <a:pPr marL="457200" indent="-457200">
-              <a:buFont typeface="+mj-lt"/>
-              <a:buAutoNum type="arabicPeriod"/>
-            </a:pPr>
             <a:endParaRPr lang="sv-SE" sz="2000" dirty="0">
               <a:solidFill>
                 <a:schemeClr val="tx1">
@@ -11990,10 +11293,6 @@
             </a:endParaRPr>
           </a:p>
           <a:p>
-            <a:pPr marL="457200" indent="-457200">
-              <a:buFont typeface="+mj-lt"/>
-              <a:buAutoNum type="arabicPeriod"/>
-            </a:pPr>
             <a:endParaRPr lang="sv-SE" sz="2000" dirty="0">
               <a:solidFill>
                 <a:schemeClr val="tx1">
@@ -12005,66 +11304,6 @@
               <a:cs typeface="Times New Roman" panose="02020603050405020304" pitchFamily="18" charset="0"/>
             </a:endParaRPr>
           </a:p>
-          <a:p>
-            <a:pPr marL="457200" indent="-457200">
-              <a:buFont typeface="+mj-lt"/>
-              <a:buAutoNum type="arabicPeriod"/>
-            </a:pPr>
-            <a:r>
-              <a:rPr lang="sv-SE" sz="2000" dirty="0">
-                <a:solidFill>
-                  <a:schemeClr val="tx1">
-                    <a:lumMod val="65000"/>
-                    <a:lumOff val="35000"/>
-                  </a:schemeClr>
-                </a:solidFill>
-                <a:latin typeface="Gill Sans MT (Body)"/>
-                <a:cs typeface="Times New Roman" panose="02020603050405020304" pitchFamily="18" charset="0"/>
-              </a:rPr>
-              <a:t>Sedan när man navigerar till komponenten kan man komma åt den genom </a:t>
-            </a:r>
-            <a:r>
-              <a:rPr lang="sv-SE" sz="2000" dirty="0">
-                <a:solidFill>
-                  <a:schemeClr val="tx2">
-                    <a:lumMod val="75000"/>
-                    <a:lumOff val="25000"/>
-                  </a:schemeClr>
-                </a:solidFill>
-                <a:latin typeface="Gill Sans MT (Body)"/>
-                <a:cs typeface="Times New Roman" panose="02020603050405020304" pitchFamily="18" charset="0"/>
-              </a:rPr>
-              <a:t>this.$route.params.id</a:t>
-            </a:r>
-          </a:p>
-          <a:p>
-            <a:pPr marL="457200" indent="-457200">
-              <a:buFont typeface="+mj-lt"/>
-              <a:buAutoNum type="arabicPeriod"/>
-            </a:pPr>
-            <a:endParaRPr lang="sv-SE" sz="2000" dirty="0">
-              <a:solidFill>
-                <a:schemeClr val="tx1">
-                  <a:lumMod val="65000"/>
-                  <a:lumOff val="35000"/>
-                </a:schemeClr>
-              </a:solidFill>
-              <a:latin typeface="Gill Sans MT (Body)"/>
-              <a:cs typeface="Times New Roman" panose="02020603050405020304" pitchFamily="18" charset="0"/>
-            </a:endParaRPr>
-          </a:p>
-          <a:p>
-            <a:endParaRPr lang="sv-SE" sz="2000" dirty="0">
-              <a:solidFill>
-                <a:schemeClr val="tx1">
-                  <a:lumMod val="65000"/>
-                  <a:lumOff val="35000"/>
-                </a:schemeClr>
-              </a:solidFill>
-              <a:latin typeface="Gill Sans MT (Body)"/>
-              <a:cs typeface="Times New Roman" panose="02020603050405020304" pitchFamily="18" charset="0"/>
-            </a:endParaRPr>
-          </a:p>
         </p:txBody>
       </p:sp>
       <p:pic>
@@ -12072,7 +11311,7 @@
           <p:cNvPr id="5" name="Picture 4">
             <a:extLst>
               <a:ext uri="{FF2B5EF4-FFF2-40B4-BE49-F238E27FC236}">
-                <a16:creationId xmlns:a16="http://schemas.microsoft.com/office/drawing/2014/main" id="{08036EA1-10DA-4E93-8A17-FB1C7AA506A3}"/>
+                <a16:creationId xmlns:a16="http://schemas.microsoft.com/office/drawing/2014/main" id="{0F091219-711D-2458-A510-AD346397EDED}"/>
               </a:ext>
             </a:extLst>
           </p:cNvPr>
@@ -12089,136 +11328,18 @@
         </p:blipFill>
         <p:spPr>
           <a:xfrm>
-            <a:off x="1378393" y="1312998"/>
-            <a:ext cx="3876675" cy="2324100"/>
+            <a:off x="5714788" y="2138613"/>
+            <a:ext cx="6477212" cy="4760751"/>
           </a:xfrm>
           <a:prstGeom prst="rect">
             <a:avLst/>
           </a:prstGeom>
         </p:spPr>
       </p:pic>
-      <p:pic>
-        <p:nvPicPr>
-          <p:cNvPr id="6" name="Picture 5">
-            <a:extLst>
-              <a:ext uri="{FF2B5EF4-FFF2-40B4-BE49-F238E27FC236}">
-                <a16:creationId xmlns:a16="http://schemas.microsoft.com/office/drawing/2014/main" id="{BE27E75C-6C06-4AB7-B18F-F6CEE8331CE6}"/>
-              </a:ext>
-            </a:extLst>
-          </p:cNvPr>
-          <p:cNvPicPr>
-            <a:picLocks noChangeAspect="1"/>
-          </p:cNvPicPr>
-          <p:nvPr/>
-        </p:nvPicPr>
-        <p:blipFill>
-          <a:blip r:embed="rId3"/>
-          <a:stretch>
-            <a:fillRect/>
-          </a:stretch>
-        </p:blipFill>
-        <p:spPr>
-          <a:xfrm>
-            <a:off x="985793" y="4970926"/>
-            <a:ext cx="4981575" cy="866775"/>
-          </a:xfrm>
-          <a:prstGeom prst="rect">
-            <a:avLst/>
-          </a:prstGeom>
-        </p:spPr>
-      </p:pic>
-      <p:sp>
-        <p:nvSpPr>
-          <p:cNvPr id="7" name="Right Brace 6">
-            <a:extLst>
-              <a:ext uri="{FF2B5EF4-FFF2-40B4-BE49-F238E27FC236}">
-                <a16:creationId xmlns:a16="http://schemas.microsoft.com/office/drawing/2014/main" id="{2C7971F9-4AE2-4E64-AB54-C2A94BBF2371}"/>
-              </a:ext>
-            </a:extLst>
-          </p:cNvPr>
-          <p:cNvSpPr/>
-          <p:nvPr/>
-        </p:nvSpPr>
-        <p:spPr>
-          <a:xfrm>
-            <a:off x="4681056" y="2751589"/>
-            <a:ext cx="59893" cy="352312"/>
-          </a:xfrm>
-          <a:prstGeom prst="rightBrace">
-            <a:avLst/>
-          </a:prstGeom>
-        </p:spPr>
-        <p:style>
-          <a:lnRef idx="1">
-            <a:schemeClr val="accent1"/>
-          </a:lnRef>
-          <a:fillRef idx="0">
-            <a:schemeClr val="accent1"/>
-          </a:fillRef>
-          <a:effectRef idx="0">
-            <a:schemeClr val="accent1"/>
-          </a:effectRef>
-          <a:fontRef idx="minor">
-            <a:schemeClr val="tx1"/>
-          </a:fontRef>
-        </p:style>
-        <p:txBody>
-          <a:bodyPr rtlCol="0" anchor="ctr"/>
-          <a:lstStyle/>
-          <a:p>
-            <a:pPr algn="ctr"/>
-            <a:endParaRPr lang="en-SE"/>
-          </a:p>
-        </p:txBody>
-      </p:sp>
-      <p:sp>
-        <p:nvSpPr>
-          <p:cNvPr id="16" name="Right Brace 15">
-            <a:extLst>
-              <a:ext uri="{FF2B5EF4-FFF2-40B4-BE49-F238E27FC236}">
-                <a16:creationId xmlns:a16="http://schemas.microsoft.com/office/drawing/2014/main" id="{6932380E-26EF-45F9-8D3D-4EE9F18ABDA1}"/>
-              </a:ext>
-            </a:extLst>
-          </p:cNvPr>
-          <p:cNvSpPr/>
-          <p:nvPr/>
-        </p:nvSpPr>
-        <p:spPr>
-          <a:xfrm>
-            <a:off x="5043181" y="5228157"/>
-            <a:ext cx="59893" cy="352312"/>
-          </a:xfrm>
-          <a:prstGeom prst="rightBrace">
-            <a:avLst/>
-          </a:prstGeom>
-        </p:spPr>
-        <p:style>
-          <a:lnRef idx="1">
-            <a:schemeClr val="accent1"/>
-          </a:lnRef>
-          <a:fillRef idx="0">
-            <a:schemeClr val="accent1"/>
-          </a:fillRef>
-          <a:effectRef idx="0">
-            <a:schemeClr val="accent1"/>
-          </a:effectRef>
-          <a:fontRef idx="minor">
-            <a:schemeClr val="tx1"/>
-          </a:fontRef>
-        </p:style>
-        <p:txBody>
-          <a:bodyPr rtlCol="0" anchor="ctr"/>
-          <a:lstStyle/>
-          <a:p>
-            <a:pPr algn="ctr"/>
-            <a:endParaRPr lang="en-SE"/>
-          </a:p>
-        </p:txBody>
-      </p:sp>
     </p:spTree>
     <p:extLst>
       <p:ext uri="{BB962C8B-B14F-4D97-AF65-F5344CB8AC3E}">
-        <p14:creationId xmlns:p14="http://schemas.microsoft.com/office/powerpoint/2010/main" val="3541977721"/>
+        <p14:creationId xmlns:p14="http://schemas.microsoft.com/office/powerpoint/2010/main" val="1024472184"/>
       </p:ext>
     </p:extLst>
   </p:cSld>
@@ -13079,14 +12200,6 @@
 </file>
 
 <file path=customXml/item1.xml><?xml version="1.0" encoding="utf-8"?>
-<p:properties xmlns:p="http://schemas.microsoft.com/office/2006/metadata/properties" xmlns:xsi="http://www.w3.org/2001/XMLSchema-instance" xmlns:pc="http://schemas.microsoft.com/office/infopath/2007/PartnerControls">
-  <documentManagement>
-    <MediaServiceKeyPoints xmlns="71af3243-3dd4-4a8d-8c0d-dd76da1f02a5" xsi:nil="true"/>
-  </documentManagement>
-</p:properties>
-</file>
-
-<file path=customXml/item2.xml><?xml version="1.0" encoding="utf-8"?>
 <ct:contentTypeSchema xmlns:ct="http://schemas.microsoft.com/office/2006/metadata/contentType" xmlns:ma="http://schemas.microsoft.com/office/2006/metadata/properties/metaAttributes" ct:_="" ma:_="" ma:contentTypeName="Document" ma:contentTypeID="0x01010079F111ED35F8CC479449609E8A0923A6" ma:contentTypeVersion="11" ma:contentTypeDescription="Create a new document." ma:contentTypeScope="" ma:versionID="96291512c1ee715ab617f4c07df79fc1">
   <xsd:schema xmlns:xsd="http://www.w3.org/2001/XMLSchema" xmlns:xs="http://www.w3.org/2001/XMLSchema" xmlns:p="http://schemas.microsoft.com/office/2006/metadata/properties" xmlns:ns2="71af3243-3dd4-4a8d-8c0d-dd76da1f02a5" xmlns:ns3="16c05727-aa75-4e4a-9b5f-8a80a1165891" targetNamespace="http://schemas.microsoft.com/office/2006/metadata/properties" ma:root="true" ma:fieldsID="8256c27c40ca5c40ce1cf6c44f0205df" ns2:_="" ns3:_="">
     <xsd:import namespace="71af3243-3dd4-4a8d-8c0d-dd76da1f02a5"/>
@@ -13297,6 +12410,14 @@
 </ct:contentTypeSchema>
 </file>
 
+<file path=customXml/item2.xml><?xml version="1.0" encoding="utf-8"?>
+<p:properties xmlns:p="http://schemas.microsoft.com/office/2006/metadata/properties" xmlns:xsi="http://www.w3.org/2001/XMLSchema-instance" xmlns:pc="http://schemas.microsoft.com/office/infopath/2007/PartnerControls">
+  <documentManagement>
+    <MediaServiceKeyPoints xmlns="71af3243-3dd4-4a8d-8c0d-dd76da1f02a5" xsi:nil="true"/>
+  </documentManagement>
+</p:properties>
+</file>
+
 <file path=customXml/item3.xml><?xml version="1.0" encoding="utf-8"?>
 <?mso-contentType ?>
 <FormTemplates xmlns="http://schemas.microsoft.com/sharepoint/v3/contenttype/forms">
@@ -13307,16 +12428,6 @@
 </file>
 
 <file path=customXml/itemProps1.xml><?xml version="1.0" encoding="utf-8"?>
-<ds:datastoreItem xmlns:ds="http://schemas.openxmlformats.org/officeDocument/2006/customXml" ds:itemID="{BDB3E54F-9BB9-4821-81E3-A4EFEC7BD0AD}">
-  <ds:schemaRefs>
-    <ds:schemaRef ds:uri="http://schemas.microsoft.com/office/2006/metadata/properties"/>
-    <ds:schemaRef ds:uri="http://schemas.microsoft.com/office/infopath/2007/PartnerControls"/>
-    <ds:schemaRef ds:uri="71af3243-3dd4-4a8d-8c0d-dd76da1f02a5"/>
-  </ds:schemaRefs>
-</ds:datastoreItem>
-</file>
-
-<file path=customXml/itemProps2.xml><?xml version="1.0" encoding="utf-8"?>
 <ds:datastoreItem xmlns:ds="http://schemas.openxmlformats.org/officeDocument/2006/customXml" ds:itemID="{15A714DE-2D72-4B69-B5D2-B9FD4274177E}">
   <ds:schemaRefs>
     <ds:schemaRef ds:uri="http://schemas.microsoft.com/office/2006/metadata/contentType"/>
@@ -13335,6 +12446,16 @@
 </ds:datastoreItem>
 </file>
 
+<file path=customXml/itemProps2.xml><?xml version="1.0" encoding="utf-8"?>
+<ds:datastoreItem xmlns:ds="http://schemas.openxmlformats.org/officeDocument/2006/customXml" ds:itemID="{BDB3E54F-9BB9-4821-81E3-A4EFEC7BD0AD}">
+  <ds:schemaRefs>
+    <ds:schemaRef ds:uri="http://schemas.microsoft.com/office/2006/metadata/properties"/>
+    <ds:schemaRef ds:uri="http://schemas.microsoft.com/office/infopath/2007/PartnerControls"/>
+    <ds:schemaRef ds:uri="71af3243-3dd4-4a8d-8c0d-dd76da1f02a5"/>
+  </ds:schemaRefs>
+</ds:datastoreItem>
+</file>
+
 <file path=customXml/itemProps3.xml><?xml version="1.0" encoding="utf-8"?>
 <ds:datastoreItem xmlns:ds="http://schemas.openxmlformats.org/officeDocument/2006/customXml" ds:itemID="{52D0167F-E486-4F9B-83E2-993954E11F03}">
   <ds:schemaRefs>
